--- a/mhw3.pptx
+++ b/mhw3.pptx
@@ -8,11 +8,13 @@
     <p:sldId id="256" r:id="rId2"/>
     <p:sldId id="257" r:id="rId3"/>
     <p:sldId id="258" r:id="rId4"/>
-    <p:sldId id="259" r:id="rId5"/>
-    <p:sldId id="271" r:id="rId6"/>
-    <p:sldId id="267" r:id="rId7"/>
-    <p:sldId id="269" r:id="rId8"/>
+    <p:sldId id="271" r:id="rId5"/>
+    <p:sldId id="273" r:id="rId6"/>
+    <p:sldId id="259" r:id="rId7"/>
+    <p:sldId id="267" r:id="rId8"/>
     <p:sldId id="272" r:id="rId9"/>
+    <p:sldId id="274" r:id="rId10"/>
+    <p:sldId id="269" r:id="rId11"/>
   </p:sldIdLst>
   <p:sldSz cx="12192000" cy="6858000"/>
   <p:notesSz cx="6858000" cy="9144000"/>
@@ -119,15 +121,38 @@
 </p:presentation>
 </file>
 
+<file path=ppt/revisionInfo.xml><?xml version="1.0" encoding="utf-8"?>
+<p1510:revInfo xmlns:a="http://schemas.openxmlformats.org/drawingml/2006/main" xmlns:r="http://schemas.openxmlformats.org/officeDocument/2006/relationships" xmlns:p1510="http://schemas.microsoft.com/office/powerpoint/2015/10/main">
+  <p1510:revLst>
+    <p1510:client id="{88FF2744-C78B-4EF5-9027-C8F21C175F74}" v="2" dt="2022-04-29T14:28:03.325"/>
+  </p1510:revLst>
+</p1510:revInfo>
+</file>
+
 <file path=ppt/changesInfos/changesInfo1.xml><?xml version="1.0" encoding="utf-8"?>
 <pc:chgInfo xmlns:a="http://schemas.openxmlformats.org/drawingml/2006/main" xmlns:r="http://schemas.openxmlformats.org/officeDocument/2006/relationships" xmlns:ac="http://schemas.microsoft.com/office/drawing/2013/main/command" xmlns:pc="http://schemas.microsoft.com/office/powerpoint/2013/main/command">
   <pc:docChgLst>
     <pc:chgData name="FRANCESCO MAROTTA" userId="50b1f44e-da55-48a5-9914-d08105d30600" providerId="ADAL" clId="{88FF2744-C78B-4EF5-9027-C8F21C175F74}"/>
     <pc:docChg chg="modSld">
-      <pc:chgData name="FRANCESCO MAROTTA" userId="50b1f44e-da55-48a5-9914-d08105d30600" providerId="ADAL" clId="{88FF2744-C78B-4EF5-9027-C8F21C175F74}" dt="2022-04-27T15:07:12.124" v="3" actId="20577"/>
+      <pc:chgData name="FRANCESCO MAROTTA" userId="50b1f44e-da55-48a5-9914-d08105d30600" providerId="ADAL" clId="{88FF2744-C78B-4EF5-9027-C8F21C175F74}" dt="2022-04-29T14:28:03.325" v="5" actId="20577"/>
       <pc:docMkLst>
         <pc:docMk/>
       </pc:docMkLst>
+      <pc:sldChg chg="modSp">
+        <pc:chgData name="FRANCESCO MAROTTA" userId="50b1f44e-da55-48a5-9914-d08105d30600" providerId="ADAL" clId="{88FF2744-C78B-4EF5-9027-C8F21C175F74}" dt="2022-04-29T14:28:03.325" v="5" actId="20577"/>
+        <pc:sldMkLst>
+          <pc:docMk/>
+          <pc:sldMk cId="2474004964" sldId="256"/>
+        </pc:sldMkLst>
+        <pc:spChg chg="mod">
+          <ac:chgData name="FRANCESCO MAROTTA" userId="50b1f44e-da55-48a5-9914-d08105d30600" providerId="ADAL" clId="{88FF2744-C78B-4EF5-9027-C8F21C175F74}" dt="2022-04-29T14:28:03.325" v="5" actId="20577"/>
+          <ac:spMkLst>
+            <pc:docMk/>
+            <pc:sldMk cId="2474004964" sldId="256"/>
+            <ac:spMk id="3" creationId="{9290D403-F4A2-48A1-9DCD-D7908A44BB4D}"/>
+          </ac:spMkLst>
+        </pc:spChg>
+      </pc:sldChg>
       <pc:sldChg chg="modSp mod">
         <pc:chgData name="FRANCESCO MAROTTA" userId="50b1f44e-da55-48a5-9914-d08105d30600" providerId="ADAL" clId="{88FF2744-C78B-4EF5-9027-C8F21C175F74}" dt="2022-04-27T15:07:12.124" v="3" actId="20577"/>
         <pc:sldMkLst>
@@ -297,7 +322,7 @@
           <a:p>
             <a:fld id="{28E7F674-603F-41F3-934F-DEBA0B6F74B4}" type="datetimeFigureOut">
               <a:rPr lang="it-IT" smtClean="0"/>
-              <a:t>27/04/2022</a:t>
+              <a:t>29/04/2022</a:t>
             </a:fld>
             <a:endParaRPr lang="it-IT"/>
           </a:p>
@@ -497,7 +522,7 @@
           <a:p>
             <a:fld id="{28E7F674-603F-41F3-934F-DEBA0B6F74B4}" type="datetimeFigureOut">
               <a:rPr lang="it-IT" smtClean="0"/>
-              <a:t>27/04/2022</a:t>
+              <a:t>29/04/2022</a:t>
             </a:fld>
             <a:endParaRPr lang="it-IT"/>
           </a:p>
@@ -707,7 +732,7 @@
           <a:p>
             <a:fld id="{28E7F674-603F-41F3-934F-DEBA0B6F74B4}" type="datetimeFigureOut">
               <a:rPr lang="it-IT" smtClean="0"/>
-              <a:t>27/04/2022</a:t>
+              <a:t>29/04/2022</a:t>
             </a:fld>
             <a:endParaRPr lang="it-IT"/>
           </a:p>
@@ -907,7 +932,7 @@
           <a:p>
             <a:fld id="{28E7F674-603F-41F3-934F-DEBA0B6F74B4}" type="datetimeFigureOut">
               <a:rPr lang="it-IT" smtClean="0"/>
-              <a:t>27/04/2022</a:t>
+              <a:t>29/04/2022</a:t>
             </a:fld>
             <a:endParaRPr lang="it-IT"/>
           </a:p>
@@ -1183,7 +1208,7 @@
           <a:p>
             <a:fld id="{28E7F674-603F-41F3-934F-DEBA0B6F74B4}" type="datetimeFigureOut">
               <a:rPr lang="it-IT" smtClean="0"/>
-              <a:t>27/04/2022</a:t>
+              <a:t>29/04/2022</a:t>
             </a:fld>
             <a:endParaRPr lang="it-IT"/>
           </a:p>
@@ -1451,7 +1476,7 @@
           <a:p>
             <a:fld id="{28E7F674-603F-41F3-934F-DEBA0B6F74B4}" type="datetimeFigureOut">
               <a:rPr lang="it-IT" smtClean="0"/>
-              <a:t>27/04/2022</a:t>
+              <a:t>29/04/2022</a:t>
             </a:fld>
             <a:endParaRPr lang="it-IT"/>
           </a:p>
@@ -1866,7 +1891,7 @@
           <a:p>
             <a:fld id="{28E7F674-603F-41F3-934F-DEBA0B6F74B4}" type="datetimeFigureOut">
               <a:rPr lang="it-IT" smtClean="0"/>
-              <a:t>27/04/2022</a:t>
+              <a:t>29/04/2022</a:t>
             </a:fld>
             <a:endParaRPr lang="it-IT"/>
           </a:p>
@@ -2008,7 +2033,7 @@
           <a:p>
             <a:fld id="{28E7F674-603F-41F3-934F-DEBA0B6F74B4}" type="datetimeFigureOut">
               <a:rPr lang="it-IT" smtClean="0"/>
-              <a:t>27/04/2022</a:t>
+              <a:t>29/04/2022</a:t>
             </a:fld>
             <a:endParaRPr lang="it-IT"/>
           </a:p>
@@ -2121,7 +2146,7 @@
           <a:p>
             <a:fld id="{28E7F674-603F-41F3-934F-DEBA0B6F74B4}" type="datetimeFigureOut">
               <a:rPr lang="it-IT" smtClean="0"/>
-              <a:t>27/04/2022</a:t>
+              <a:t>29/04/2022</a:t>
             </a:fld>
             <a:endParaRPr lang="it-IT"/>
           </a:p>
@@ -2434,7 +2459,7 @@
           <a:p>
             <a:fld id="{28E7F674-603F-41F3-934F-DEBA0B6F74B4}" type="datetimeFigureOut">
               <a:rPr lang="it-IT" smtClean="0"/>
-              <a:t>27/04/2022</a:t>
+              <a:t>29/04/2022</a:t>
             </a:fld>
             <a:endParaRPr lang="it-IT"/>
           </a:p>
@@ -2723,7 +2748,7 @@
           <a:p>
             <a:fld id="{28E7F674-603F-41F3-934F-DEBA0B6F74B4}" type="datetimeFigureOut">
               <a:rPr lang="it-IT" smtClean="0"/>
-              <a:t>27/04/2022</a:t>
+              <a:t>29/04/2022</a:t>
             </a:fld>
             <a:endParaRPr lang="it-IT"/>
           </a:p>
@@ -2966,7 +2991,7 @@
           <a:p>
             <a:fld id="{28E7F674-603F-41F3-934F-DEBA0B6F74B4}" type="datetimeFigureOut">
               <a:rPr lang="it-IT" smtClean="0"/>
-              <a:t>27/04/2022</a:t>
+              <a:t>29/04/2022</a:t>
             </a:fld>
             <a:endParaRPr lang="it-IT"/>
           </a:p>
@@ -3463,7 +3488,7 @@
           <a:lstStyle/>
           <a:p>
             <a:pPr algn="ctr"/>
-            <a:endParaRPr lang="en-US"/>
+            <a:endParaRPr lang="en-US" dirty="0"/>
           </a:p>
         </p:txBody>
       </p:sp>
@@ -3536,7 +3561,7 @@
           <a:lstStyle/>
           <a:p>
             <a:pPr algn="ctr"/>
-            <a:endParaRPr lang="en-US"/>
+            <a:endParaRPr lang="en-US" dirty="0"/>
           </a:p>
         </p:txBody>
       </p:sp>
@@ -3612,7 +3637,7 @@
           <a:lstStyle/>
           <a:p>
             <a:pPr algn="ctr"/>
-            <a:endParaRPr lang="en-US"/>
+            <a:endParaRPr lang="en-US" dirty="0"/>
           </a:p>
         </p:txBody>
       </p:sp>
@@ -3688,7 +3713,7 @@
           <a:lstStyle/>
           <a:p>
             <a:pPr algn="ctr"/>
-            <a:endParaRPr lang="en-US"/>
+            <a:endParaRPr lang="en-US" dirty="0"/>
           </a:p>
         </p:txBody>
       </p:sp>
@@ -3764,7 +3789,7 @@
           <a:lstStyle/>
           <a:p>
             <a:pPr algn="ctr"/>
-            <a:endParaRPr lang="en-US"/>
+            <a:endParaRPr lang="en-US" dirty="0"/>
           </a:p>
         </p:txBody>
       </p:sp>
@@ -3840,7 +3865,7 @@
           <a:lstStyle/>
           <a:p>
             <a:pPr algn="ctr"/>
-            <a:endParaRPr lang="en-US"/>
+            <a:endParaRPr lang="en-US" dirty="0"/>
           </a:p>
         </p:txBody>
       </p:sp>
@@ -4033,7 +4058,7 @@
           <a:lstStyle/>
           <a:p>
             <a:pPr algn="ctr"/>
-            <a:endParaRPr lang="en-US"/>
+            <a:endParaRPr lang="en-US" dirty="0"/>
           </a:p>
         </p:txBody>
       </p:sp>
@@ -4094,7 +4119,7 @@
                   <a:srgbClr val="FFFFFF"/>
                 </a:solidFill>
               </a:rPr>
-              <a:t>27/03/2022</a:t>
+              <a:t>29/03/2022</a:t>
             </a:r>
           </a:p>
         </p:txBody>
@@ -4379,7 +4404,7 @@
 </p:sld>
 </file>
 
-<file path=ppt/slides/slide2.xml><?xml version="1.0" encoding="utf-8"?>
+<file path=ppt/slides/slide10.xml><?xml version="1.0" encoding="utf-8"?>
 <p:sld xmlns:a="http://schemas.openxmlformats.org/drawingml/2006/main" xmlns:r="http://schemas.openxmlformats.org/officeDocument/2006/relationships" xmlns:p="http://schemas.openxmlformats.org/presentationml/2006/main">
   <p:cSld>
     <p:bg>
@@ -5031,7 +5056,7 @@
           <p:cNvPr id="2" name="Title 1">
             <a:extLst>
               <a:ext uri="{FF2B5EF4-FFF2-40B4-BE49-F238E27FC236}">
-                <a16:creationId xmlns:a16="http://schemas.microsoft.com/office/drawing/2014/main" id="{5D199468-442B-44D8-8FB1-9E9E01386302}"/>
+                <a16:creationId xmlns:a16="http://schemas.microsoft.com/office/drawing/2014/main" id="{793E3554-1D0A-4FE7-968B-21CF8C909EBD}"/>
               </a:ext>
             </a:extLst>
           </p:cNvPr>
@@ -5044,8 +5069,8 @@
         </p:nvSpPr>
         <p:spPr>
           <a:xfrm>
-            <a:off x="466722" y="586855"/>
-            <a:ext cx="3201366" cy="3387497"/>
+            <a:off x="272955" y="586855"/>
+            <a:ext cx="3395133" cy="3387497"/>
           </a:xfrm>
         </p:spPr>
         <p:txBody>
@@ -5056,93 +5081,158 @@
           <a:p>
             <a:pPr algn="r"/>
             <a:r>
-              <a:rPr lang="it-IT" sz="4000">
+              <a:rPr lang="it-IT" sz="4000" dirty="0">
                 <a:solidFill>
                   <a:srgbClr val="FFFFFF"/>
                 </a:solidFill>
               </a:rPr>
-              <a:t>Descrizione del progetto</a:t>
-            </a:r>
-          </a:p>
-        </p:txBody>
-      </p:sp>
-      <p:sp>
-        <p:nvSpPr>
-          <p:cNvPr id="3" name="Content Placeholder 2">
-            <a:extLst>
-              <a:ext uri="{FF2B5EF4-FFF2-40B4-BE49-F238E27FC236}">
-                <a16:creationId xmlns:a16="http://schemas.microsoft.com/office/drawing/2014/main" id="{A05D1882-65DE-484D-B983-8F24ECBDF31D}"/>
-              </a:ext>
-            </a:extLst>
-          </p:cNvPr>
-          <p:cNvSpPr>
-            <a:spLocks noGrp="1"/>
-          </p:cNvSpPr>
-          <p:nvPr>
-            <p:ph idx="1"/>
-          </p:nvPr>
-        </p:nvSpPr>
+              <a:t>API 2:</a:t>
+            </a:r>
+            <a:br>
+              <a:rPr lang="it-IT" sz="4000" dirty="0">
+                <a:solidFill>
+                  <a:srgbClr val="FFFFFF"/>
+                </a:solidFill>
+              </a:rPr>
+            </a:br>
+            <a:r>
+              <a:rPr lang="it-IT" sz="4000" dirty="0">
+                <a:solidFill>
+                  <a:srgbClr val="FFFFFF"/>
+                </a:solidFill>
+              </a:rPr>
+              <a:t>codice</a:t>
+            </a:r>
+          </a:p>
+        </p:txBody>
+      </p:sp>
+      <p:pic>
+        <p:nvPicPr>
+          <p:cNvPr id="4" name="Immagine 3">
+            <a:extLst>
+              <a:ext uri="{FF2B5EF4-FFF2-40B4-BE49-F238E27FC236}">
+                <a16:creationId xmlns:a16="http://schemas.microsoft.com/office/drawing/2014/main" id="{E3D1AB38-E41F-48BB-B35B-7586931D418E}"/>
+              </a:ext>
+            </a:extLst>
+          </p:cNvPr>
+          <p:cNvPicPr>
+            <a:picLocks noChangeAspect="1"/>
+          </p:cNvPicPr>
+          <p:nvPr/>
+        </p:nvPicPr>
+        <p:blipFill>
+          <a:blip r:embed="rId2"/>
+          <a:stretch>
+            <a:fillRect/>
+          </a:stretch>
+        </p:blipFill>
         <p:spPr>
           <a:xfrm>
-            <a:off x="4810259" y="649480"/>
-            <a:ext cx="6555347" cy="5546047"/>
-          </a:xfrm>
-        </p:spPr>
-        <p:txBody>
-          <a:bodyPr anchor="ctr">
-            <a:normAutofit/>
+            <a:off x="4310781" y="143658"/>
+            <a:ext cx="4482237" cy="3131544"/>
+          </a:xfrm>
+          <a:prstGeom prst="rect">
+            <a:avLst/>
+          </a:prstGeom>
+        </p:spPr>
+      </p:pic>
+      <p:pic>
+        <p:nvPicPr>
+          <p:cNvPr id="7" name="Immagine 6">
+            <a:extLst>
+              <a:ext uri="{FF2B5EF4-FFF2-40B4-BE49-F238E27FC236}">
+                <a16:creationId xmlns:a16="http://schemas.microsoft.com/office/drawing/2014/main" id="{0D4EDD93-ED8A-432A-8DFD-C11E2D988837}"/>
+              </a:ext>
+            </a:extLst>
+          </p:cNvPr>
+          <p:cNvPicPr>
+            <a:picLocks noChangeAspect="1"/>
+          </p:cNvPicPr>
+          <p:nvPr/>
+        </p:nvPicPr>
+        <p:blipFill>
+          <a:blip r:embed="rId3"/>
+          <a:stretch>
+            <a:fillRect/>
+          </a:stretch>
+        </p:blipFill>
+        <p:spPr>
+          <a:xfrm>
+            <a:off x="4310781" y="3557253"/>
+            <a:ext cx="5783344" cy="3018696"/>
+          </a:xfrm>
+          <a:prstGeom prst="rect">
+            <a:avLst/>
+          </a:prstGeom>
+        </p:spPr>
+      </p:pic>
+      <p:sp>
+        <p:nvSpPr>
+          <p:cNvPr id="3" name="CasellaDiTesto 2">
+            <a:extLst>
+              <a:ext uri="{FF2B5EF4-FFF2-40B4-BE49-F238E27FC236}">
+                <a16:creationId xmlns:a16="http://schemas.microsoft.com/office/drawing/2014/main" id="{324A8CAA-ABA8-4860-93A4-6D565A7173D5}"/>
+              </a:ext>
+            </a:extLst>
+          </p:cNvPr>
+          <p:cNvSpPr txBox="1"/>
+          <p:nvPr/>
+        </p:nvSpPr>
+        <p:spPr>
+          <a:xfrm>
+            <a:off x="9001862" y="1200236"/>
+            <a:ext cx="2978245" cy="1477328"/>
+          </a:xfrm>
+          <a:prstGeom prst="rect">
+            <a:avLst/>
+          </a:prstGeom>
+          <a:noFill/>
+        </p:spPr>
+        <p:txBody>
+          <a:bodyPr wrap="square" rtlCol="0">
+            <a:spAutoFit/>
           </a:bodyPr>
           <a:lstStyle/>
           <a:p>
             <a:r>
-              <a:rPr lang="it-IT" sz="2000" dirty="0"/>
-              <a:t>Integrazione di due API nel mhw1, una senza autenticazione, </a:t>
-            </a:r>
-            <a:r>
-              <a:rPr lang="it-IT" sz="2000" dirty="0">
-                <a:hlinkClick r:id="rId2"/>
-              </a:rPr>
-              <a:t>Covid-19</a:t>
-            </a:r>
-            <a:r>
-              <a:rPr lang="it-IT" sz="2000" dirty="0"/>
-              <a:t>, e una con autenticazione </a:t>
-            </a:r>
-            <a:r>
-              <a:rPr lang="it-IT" sz="2000" dirty="0" err="1"/>
-              <a:t>OAuth</a:t>
-            </a:r>
-            <a:r>
-              <a:rPr lang="it-IT" sz="2000" dirty="0"/>
-              <a:t> 2.0, </a:t>
-            </a:r>
-            <a:r>
-              <a:rPr lang="it-IT" sz="2000" dirty="0" err="1">
-                <a:hlinkClick r:id="rId3"/>
-              </a:rPr>
-              <a:t>Shutterstock</a:t>
-            </a:r>
-            <a:r>
-              <a:rPr lang="it-IT" sz="2000" dirty="0"/>
-              <a:t>.</a:t>
-            </a:r>
-          </a:p>
-          <a:p>
-            <a:r>
-              <a:rPr lang="it-IT" sz="2000" dirty="0"/>
-              <a:t>La prima API, dopo un click sul link dedicato, mostra i casi di covid, di morti, di vaccinazioni totali e parziali in Italia</a:t>
-            </a:r>
-          </a:p>
-          <a:p>
-            <a:r>
-              <a:rPr lang="it-IT" sz="2000" dirty="0"/>
-              <a:t>La seconda API, dopo ricerca su apposita barra, mostra 10 immagini della città cercata.</a:t>
-            </a:r>
-          </a:p>
-          <a:p>
-            <a:r>
-              <a:rPr lang="it-IT" sz="2000" dirty="0"/>
-              <a:t>Entrambe le informazioni vengono visualizzate in modalità «modale».</a:t>
+              <a:rPr lang="it-IT" dirty="0"/>
+              <a:t>Ho chiesto 10 foto per pagina</a:t>
+            </a:r>
+          </a:p>
+          <a:p>
+            <a:r>
+              <a:rPr lang="it-IT" dirty="0"/>
+              <a:t>(</a:t>
+            </a:r>
+            <a:r>
+              <a:rPr lang="it-IT" i="1" dirty="0" err="1"/>
+              <a:t>per_page</a:t>
+            </a:r>
+            <a:r>
+              <a:rPr lang="it-IT" i="1" dirty="0"/>
+              <a:t>=10</a:t>
+            </a:r>
+            <a:r>
+              <a:rPr lang="it-IT" dirty="0"/>
+              <a:t>) con </a:t>
+            </a:r>
+            <a:r>
+              <a:rPr lang="it-IT" i="1" dirty="0" err="1"/>
+              <a:t>Aspect_ratio_min</a:t>
+            </a:r>
+            <a:r>
+              <a:rPr lang="it-IT" i="1" dirty="0"/>
+              <a:t> = 1 </a:t>
+            </a:r>
+            <a:r>
+              <a:rPr lang="it-IT" dirty="0"/>
+              <a:t>per ottenere solo immagini </a:t>
+            </a:r>
+          </a:p>
+          <a:p>
+            <a:r>
+              <a:rPr lang="it-IT" dirty="0"/>
+              <a:t>quadrate o al più orizzontali</a:t>
             </a:r>
           </a:p>
         </p:txBody>
@@ -5150,7 +5240,7 @@
     </p:spTree>
     <p:extLst>
       <p:ext uri="{BB962C8B-B14F-4D97-AF65-F5344CB8AC3E}">
-        <p14:creationId xmlns:p14="http://schemas.microsoft.com/office/powerpoint/2010/main" val="2693910554"/>
+        <p14:creationId xmlns:p14="http://schemas.microsoft.com/office/powerpoint/2010/main" val="2557014366"/>
       </p:ext>
     </p:extLst>
   </p:cSld>
@@ -5160,7 +5250,7 @@
 </p:sld>
 </file>
 
-<file path=ppt/slides/slide3.xml><?xml version="1.0" encoding="utf-8"?>
+<file path=ppt/slides/slide2.xml><?xml version="1.0" encoding="utf-8"?>
 <p:sld xmlns:a="http://schemas.openxmlformats.org/drawingml/2006/main" xmlns:r="http://schemas.openxmlformats.org/officeDocument/2006/relationships" xmlns:p="http://schemas.openxmlformats.org/presentationml/2006/main">
   <p:cSld>
     <p:bg>
@@ -5257,7 +5347,7 @@
           <a:lstStyle/>
           <a:p>
             <a:pPr algn="ctr"/>
-            <a:endParaRPr lang="en-US"/>
+            <a:endParaRPr lang="en-US" dirty="0"/>
           </a:p>
         </p:txBody>
       </p:sp>
@@ -5333,7 +5423,7 @@
           <a:lstStyle/>
           <a:p>
             <a:pPr algn="ctr"/>
-            <a:endParaRPr lang="en-US"/>
+            <a:endParaRPr lang="en-US" dirty="0"/>
           </a:p>
         </p:txBody>
       </p:sp>
@@ -5406,7 +5496,7 @@
           <a:lstStyle/>
           <a:p>
             <a:pPr algn="ctr"/>
-            <a:endParaRPr lang="en-US"/>
+            <a:endParaRPr lang="en-US" dirty="0"/>
           </a:p>
         </p:txBody>
       </p:sp>
@@ -5481,7 +5571,7 @@
           <a:lstStyle/>
           <a:p>
             <a:pPr algn="ctr"/>
-            <a:endParaRPr lang="en-US"/>
+            <a:endParaRPr lang="en-US" dirty="0"/>
           </a:p>
         </p:txBody>
       </p:sp>
@@ -5803,7 +5893,7 @@
           <a:lstStyle/>
           <a:p>
             <a:pPr algn="ctr"/>
-            <a:endParaRPr lang="en-US"/>
+            <a:endParaRPr lang="en-US" dirty="0"/>
           </a:p>
         </p:txBody>
       </p:sp>
@@ -5812,7 +5902,7 @@
           <p:cNvPr id="2" name="Title 1">
             <a:extLst>
               <a:ext uri="{FF2B5EF4-FFF2-40B4-BE49-F238E27FC236}">
-                <a16:creationId xmlns:a16="http://schemas.microsoft.com/office/drawing/2014/main" id="{793E3554-1D0A-4FE7-968B-21CF8C909EBD}"/>
+                <a16:creationId xmlns:a16="http://schemas.microsoft.com/office/drawing/2014/main" id="{5D199468-442B-44D8-8FB1-9E9E01386302}"/>
               </a:ext>
             </a:extLst>
           </p:cNvPr>
@@ -5837,100 +5927,101 @@
           <a:p>
             <a:pPr algn="r"/>
             <a:r>
-              <a:rPr lang="it-IT" sz="4000">
+              <a:rPr lang="it-IT" sz="4000" dirty="0">
                 <a:solidFill>
                   <a:srgbClr val="FFFFFF"/>
                 </a:solidFill>
               </a:rPr>
-              <a:t>API 1:</a:t>
-            </a:r>
-            <a:br>
-              <a:rPr lang="it-IT" sz="4000">
-                <a:solidFill>
-                  <a:srgbClr val="FFFFFF"/>
-                </a:solidFill>
-              </a:rPr>
-            </a:br>
-            <a:r>
-              <a:rPr lang="it-IT" sz="4000">
-                <a:solidFill>
-                  <a:srgbClr val="FFFFFF"/>
-                </a:solidFill>
+              <a:t>Descrizione del progetto</a:t>
+            </a:r>
+          </a:p>
+        </p:txBody>
+      </p:sp>
+      <p:sp>
+        <p:nvSpPr>
+          <p:cNvPr id="3" name="Content Placeholder 2">
+            <a:extLst>
+              <a:ext uri="{FF2B5EF4-FFF2-40B4-BE49-F238E27FC236}">
+                <a16:creationId xmlns:a16="http://schemas.microsoft.com/office/drawing/2014/main" id="{A05D1882-65DE-484D-B983-8F24ECBDF31D}"/>
+              </a:ext>
+            </a:extLst>
+          </p:cNvPr>
+          <p:cNvSpPr>
+            <a:spLocks noGrp="1"/>
+          </p:cNvSpPr>
+          <p:nvPr>
+            <p:ph idx="1"/>
+          </p:nvPr>
+        </p:nvSpPr>
+        <p:spPr>
+          <a:xfrm>
+            <a:off x="4810259" y="649480"/>
+            <a:ext cx="6555347" cy="5546047"/>
+          </a:xfrm>
+        </p:spPr>
+        <p:txBody>
+          <a:bodyPr anchor="ctr">
+            <a:normAutofit/>
+          </a:bodyPr>
+          <a:lstStyle/>
+          <a:p>
+            <a:r>
+              <a:rPr lang="it-IT" sz="2000" dirty="0"/>
+              <a:t>Integrazione di due API nel mhw1, una senza autenticazione, </a:t>
+            </a:r>
+            <a:r>
+              <a:rPr lang="it-IT" sz="2000" dirty="0">
+                <a:hlinkClick r:id="rId2"/>
               </a:rPr>
               <a:t>Covid-19</a:t>
             </a:r>
-            <a:endParaRPr lang="it-IT" sz="4000" dirty="0">
-              <a:solidFill>
-                <a:srgbClr val="FFFFFF"/>
-              </a:solidFill>
-            </a:endParaRPr>
-          </a:p>
-        </p:txBody>
-      </p:sp>
-      <p:pic>
-        <p:nvPicPr>
-          <p:cNvPr id="5" name="Immagine 4">
-            <a:extLst>
-              <a:ext uri="{FF2B5EF4-FFF2-40B4-BE49-F238E27FC236}">
-                <a16:creationId xmlns:a16="http://schemas.microsoft.com/office/drawing/2014/main" id="{03086E1D-E7BE-45B1-8271-3F262A074CB8}"/>
-              </a:ext>
-            </a:extLst>
-          </p:cNvPr>
-          <p:cNvPicPr>
-            <a:picLocks noChangeAspect="1"/>
-          </p:cNvPicPr>
-          <p:nvPr/>
-        </p:nvPicPr>
-        <p:blipFill>
-          <a:blip r:embed="rId2"/>
-          <a:stretch>
-            <a:fillRect/>
-          </a:stretch>
-        </p:blipFill>
-        <p:spPr>
-          <a:xfrm>
-            <a:off x="7036910" y="397696"/>
-            <a:ext cx="2152950" cy="895475"/>
-          </a:xfrm>
-          <a:prstGeom prst="rect">
-            <a:avLst/>
-          </a:prstGeom>
-        </p:spPr>
-      </p:pic>
-      <p:pic>
-        <p:nvPicPr>
-          <p:cNvPr id="7" name="Immagine 6">
-            <a:extLst>
-              <a:ext uri="{FF2B5EF4-FFF2-40B4-BE49-F238E27FC236}">
-                <a16:creationId xmlns:a16="http://schemas.microsoft.com/office/drawing/2014/main" id="{70E04196-DEFD-49F8-9632-11F97517B650}"/>
-              </a:ext>
-            </a:extLst>
-          </p:cNvPr>
-          <p:cNvPicPr>
-            <a:picLocks noChangeAspect="1"/>
-          </p:cNvPicPr>
-          <p:nvPr/>
-        </p:nvPicPr>
-        <p:blipFill>
-          <a:blip r:embed="rId3"/>
-          <a:stretch>
-            <a:fillRect/>
-          </a:stretch>
-        </p:blipFill>
-        <p:spPr>
-          <a:xfrm>
-            <a:off x="4187821" y="1690867"/>
-            <a:ext cx="7490128" cy="3858231"/>
-          </a:xfrm>
-          <a:prstGeom prst="rect">
-            <a:avLst/>
-          </a:prstGeom>
-        </p:spPr>
-      </p:pic>
+            <a:r>
+              <a:rPr lang="it-IT" sz="2000" dirty="0"/>
+              <a:t>, e una con autenticazione </a:t>
+            </a:r>
+            <a:r>
+              <a:rPr lang="it-IT" sz="2000" dirty="0" err="1"/>
+              <a:t>OAuth</a:t>
+            </a:r>
+            <a:r>
+              <a:rPr lang="it-IT" sz="2000" dirty="0"/>
+              <a:t> 2.0, </a:t>
+            </a:r>
+            <a:r>
+              <a:rPr lang="it-IT" sz="2000" dirty="0" err="1">
+                <a:hlinkClick r:id="rId3"/>
+              </a:rPr>
+              <a:t>Shutterstock</a:t>
+            </a:r>
+            <a:r>
+              <a:rPr lang="it-IT" sz="2000" dirty="0"/>
+              <a:t>.</a:t>
+            </a:r>
+          </a:p>
+          <a:p>
+            <a:r>
+              <a:rPr lang="it-IT" sz="2000" dirty="0"/>
+              <a:t>La prima API, dopo un click sul link dedicato, mostra i casi di covid, di morti, di vaccinazioni totali e parziali in Italia</a:t>
+            </a:r>
+          </a:p>
+          <a:p>
+            <a:r>
+              <a:rPr lang="it-IT" sz="2000" dirty="0"/>
+              <a:t>La seconda API, dopo ricerca su apposita barra, mostra 10 immagini della città cercata.</a:t>
+            </a:r>
+          </a:p>
+          <a:p>
+            <a:r>
+              <a:rPr lang="it-IT" sz="2000" dirty="0"/>
+              <a:t>Entrambe le informazioni vengono visualizzate in modalità «modale».</a:t>
+            </a:r>
+          </a:p>
+        </p:txBody>
+      </p:sp>
     </p:spTree>
     <p:extLst>
       <p:ext uri="{BB962C8B-B14F-4D97-AF65-F5344CB8AC3E}">
-        <p14:creationId xmlns:p14="http://schemas.microsoft.com/office/powerpoint/2010/main" val="2861803753"/>
+        <p14:creationId xmlns:p14="http://schemas.microsoft.com/office/powerpoint/2010/main" val="2693910554"/>
       </p:ext>
     </p:extLst>
   </p:cSld>
@@ -5940,7 +6031,7 @@
 </p:sld>
 </file>
 
-<file path=ppt/slides/slide4.xml><?xml version="1.0" encoding="utf-8"?>
+<file path=ppt/slides/slide3.xml><?xml version="1.0" encoding="utf-8"?>
 <p:sld xmlns:a="http://schemas.openxmlformats.org/drawingml/2006/main" xmlns:r="http://schemas.openxmlformats.org/officeDocument/2006/relationships" xmlns:p="http://schemas.openxmlformats.org/presentationml/2006/main">
   <p:cSld>
     <p:bg>
@@ -6592,7 +6683,7 @@
           <p:cNvPr id="2" name="Title 1">
             <a:extLst>
               <a:ext uri="{FF2B5EF4-FFF2-40B4-BE49-F238E27FC236}">
-                <a16:creationId xmlns:a16="http://schemas.microsoft.com/office/drawing/2014/main" id="{6C0937FD-3195-4E6E-AA7F-8D790A0A8ABA}"/>
+                <a16:creationId xmlns:a16="http://schemas.microsoft.com/office/drawing/2014/main" id="{793E3554-1D0A-4FE7-968B-21CF8C909EBD}"/>
               </a:ext>
             </a:extLst>
           </p:cNvPr>
@@ -6617,7 +6708,7 @@
           <a:p>
             <a:pPr algn="r"/>
             <a:r>
-              <a:rPr lang="it-IT" sz="4000" dirty="0">
+              <a:rPr lang="it-IT" sz="4000">
                 <a:solidFill>
                   <a:srgbClr val="FFFFFF"/>
                 </a:solidFill>
@@ -6625,29 +6716,34 @@
               <a:t>API 1:</a:t>
             </a:r>
             <a:br>
-              <a:rPr lang="it-IT" sz="4000" dirty="0">
+              <a:rPr lang="it-IT" sz="4000">
                 <a:solidFill>
                   <a:srgbClr val="FFFFFF"/>
                 </a:solidFill>
               </a:rPr>
             </a:br>
             <a:r>
-              <a:rPr lang="it-IT" sz="4000" dirty="0">
+              <a:rPr lang="it-IT" sz="4000">
                 <a:solidFill>
                   <a:srgbClr val="FFFFFF"/>
                 </a:solidFill>
               </a:rPr>
-              <a:t>codice</a:t>
-            </a:r>
+              <a:t>Covid-19</a:t>
+            </a:r>
+            <a:endParaRPr lang="it-IT" sz="4000" dirty="0">
+              <a:solidFill>
+                <a:srgbClr val="FFFFFF"/>
+              </a:solidFill>
+            </a:endParaRPr>
           </a:p>
         </p:txBody>
       </p:sp>
       <p:pic>
         <p:nvPicPr>
-          <p:cNvPr id="4" name="Immagine 3">
-            <a:extLst>
-              <a:ext uri="{FF2B5EF4-FFF2-40B4-BE49-F238E27FC236}">
-                <a16:creationId xmlns:a16="http://schemas.microsoft.com/office/drawing/2014/main" id="{2FEDC0F6-537C-44F4-A4E2-E9F95E28BE50}"/>
+          <p:cNvPr id="5" name="Immagine 4">
+            <a:extLst>
+              <a:ext uri="{FF2B5EF4-FFF2-40B4-BE49-F238E27FC236}">
+                <a16:creationId xmlns:a16="http://schemas.microsoft.com/office/drawing/2014/main" id="{03086E1D-E7BE-45B1-8271-3F262A074CB8}"/>
               </a:ext>
             </a:extLst>
           </p:cNvPr>
@@ -6664,8 +6760,8 @@
         </p:blipFill>
         <p:spPr>
           <a:xfrm>
-            <a:off x="5487381" y="254208"/>
-            <a:ext cx="5458988" cy="3387497"/>
+            <a:off x="7036910" y="397696"/>
+            <a:ext cx="2152950" cy="895475"/>
           </a:xfrm>
           <a:prstGeom prst="rect">
             <a:avLst/>
@@ -6677,7 +6773,7 @@
           <p:cNvPr id="7" name="Immagine 6">
             <a:extLst>
               <a:ext uri="{FF2B5EF4-FFF2-40B4-BE49-F238E27FC236}">
-                <a16:creationId xmlns:a16="http://schemas.microsoft.com/office/drawing/2014/main" id="{D8FCFCAC-1E65-4CC4-A531-4134F38AB002}"/>
+                <a16:creationId xmlns:a16="http://schemas.microsoft.com/office/drawing/2014/main" id="{70E04196-DEFD-49F8-9632-11F97517B650}"/>
               </a:ext>
             </a:extLst>
           </p:cNvPr>
@@ -6694,8 +6790,8 @@
         </p:blipFill>
         <p:spPr>
           <a:xfrm>
-            <a:off x="5289438" y="3895913"/>
-            <a:ext cx="5854873" cy="2404379"/>
+            <a:off x="4187821" y="1690867"/>
+            <a:ext cx="7490128" cy="3858231"/>
           </a:xfrm>
           <a:prstGeom prst="rect">
             <a:avLst/>
@@ -6705,7 +6801,7 @@
     </p:spTree>
     <p:extLst>
       <p:ext uri="{BB962C8B-B14F-4D97-AF65-F5344CB8AC3E}">
-        <p14:creationId xmlns:p14="http://schemas.microsoft.com/office/powerpoint/2010/main" val="3250376665"/>
+        <p14:creationId xmlns:p14="http://schemas.microsoft.com/office/powerpoint/2010/main" val="2861803753"/>
       </p:ext>
     </p:extLst>
   </p:cSld>
@@ -6715,7 +6811,7 @@
 </p:sld>
 </file>
 
-<file path=ppt/slides/slide5.xml><?xml version="1.0" encoding="utf-8"?>
+<file path=ppt/slides/slide4.xml><?xml version="1.0" encoding="utf-8"?>
 <p:sld xmlns:a="http://schemas.openxmlformats.org/drawingml/2006/main" xmlns:r="http://schemas.openxmlformats.org/officeDocument/2006/relationships" xmlns:p="http://schemas.openxmlformats.org/presentationml/2006/main">
   <p:cSld>
     <p:bg>
@@ -6812,7 +6908,7 @@
           <a:lstStyle/>
           <a:p>
             <a:pPr algn="ctr"/>
-            <a:endParaRPr lang="en-US"/>
+            <a:endParaRPr lang="en-US" dirty="0"/>
           </a:p>
         </p:txBody>
       </p:sp>
@@ -6888,7 +6984,7 @@
           <a:lstStyle/>
           <a:p>
             <a:pPr algn="ctr"/>
-            <a:endParaRPr lang="en-US"/>
+            <a:endParaRPr lang="en-US" dirty="0"/>
           </a:p>
         </p:txBody>
       </p:sp>
@@ -6961,7 +7057,7 @@
           <a:lstStyle/>
           <a:p>
             <a:pPr algn="ctr"/>
-            <a:endParaRPr lang="en-US"/>
+            <a:endParaRPr lang="en-US" dirty="0"/>
           </a:p>
         </p:txBody>
       </p:sp>
@@ -7036,7 +7132,7 @@
           <a:lstStyle/>
           <a:p>
             <a:pPr algn="ctr"/>
-            <a:endParaRPr lang="en-US"/>
+            <a:endParaRPr lang="en-US" dirty="0"/>
           </a:p>
         </p:txBody>
       </p:sp>
@@ -7358,7 +7454,7 @@
           <a:lstStyle/>
           <a:p>
             <a:pPr algn="ctr"/>
-            <a:endParaRPr lang="en-US"/>
+            <a:endParaRPr lang="en-US" dirty="0"/>
           </a:p>
         </p:txBody>
       </p:sp>
@@ -7490,7 +7586,7 @@
 </p:sld>
 </file>
 
-<file path=ppt/slides/slide6.xml><?xml version="1.0" encoding="utf-8"?>
+<file path=ppt/slides/slide5.xml><?xml version="1.0" encoding="utf-8"?>
 <p:sld xmlns:a="http://schemas.openxmlformats.org/drawingml/2006/main" xmlns:r="http://schemas.openxmlformats.org/officeDocument/2006/relationships" xmlns:p="http://schemas.openxmlformats.org/presentationml/2006/main">
   <p:cSld>
     <p:bg>
@@ -7587,7 +7683,7 @@
           <a:lstStyle/>
           <a:p>
             <a:pPr algn="ctr"/>
-            <a:endParaRPr lang="en-US"/>
+            <a:endParaRPr lang="en-US" dirty="0"/>
           </a:p>
         </p:txBody>
       </p:sp>
@@ -7663,7 +7759,7 @@
           <a:lstStyle/>
           <a:p>
             <a:pPr algn="ctr"/>
-            <a:endParaRPr lang="en-US"/>
+            <a:endParaRPr lang="en-US" dirty="0"/>
           </a:p>
         </p:txBody>
       </p:sp>
@@ -7736,7 +7832,7 @@
           <a:lstStyle/>
           <a:p>
             <a:pPr algn="ctr"/>
-            <a:endParaRPr lang="en-US"/>
+            <a:endParaRPr lang="en-US" dirty="0"/>
           </a:p>
         </p:txBody>
       </p:sp>
@@ -7811,7 +7907,7 @@
           <a:lstStyle/>
           <a:p>
             <a:pPr algn="ctr"/>
-            <a:endParaRPr lang="en-US"/>
+            <a:endParaRPr lang="en-US" dirty="0"/>
           </a:p>
         </p:txBody>
       </p:sp>
@@ -8133,7 +8229,7 @@
           <a:lstStyle/>
           <a:p>
             <a:pPr algn="ctr"/>
-            <a:endParaRPr lang="en-US"/>
+            <a:endParaRPr lang="en-US" dirty="0"/>
           </a:p>
         </p:txBody>
       </p:sp>
@@ -8142,7 +8238,7 @@
           <p:cNvPr id="2" name="Title 1">
             <a:extLst>
               <a:ext uri="{FF2B5EF4-FFF2-40B4-BE49-F238E27FC236}">
-                <a16:creationId xmlns:a16="http://schemas.microsoft.com/office/drawing/2014/main" id="{793E3554-1D0A-4FE7-968B-21CF8C909EBD}"/>
+                <a16:creationId xmlns:a16="http://schemas.microsoft.com/office/drawing/2014/main" id="{6C0937FD-3195-4E6E-AA7F-8D790A0A8ABA}"/>
               </a:ext>
             </a:extLst>
           </p:cNvPr>
@@ -8155,8 +8251,8 @@
         </p:nvSpPr>
         <p:spPr>
           <a:xfrm>
-            <a:off x="272955" y="586855"/>
-            <a:ext cx="3395133" cy="3387497"/>
+            <a:off x="466722" y="586855"/>
+            <a:ext cx="3201366" cy="3387497"/>
           </a:xfrm>
         </p:spPr>
         <p:txBody>
@@ -8167,33 +8263,28 @@
           <a:p>
             <a:pPr algn="r"/>
             <a:r>
-              <a:rPr lang="it-IT" sz="4000" dirty="0">
+              <a:rPr lang="it-IT" sz="3200" dirty="0">
                 <a:solidFill>
                   <a:srgbClr val="FFFFFF"/>
                 </a:solidFill>
               </a:rPr>
-              <a:t>API 2:</a:t>
+              <a:t>API 1:</a:t>
             </a:r>
             <a:br>
-              <a:rPr lang="it-IT" sz="4000" dirty="0">
+              <a:rPr lang="it-IT" sz="3200" dirty="0">
                 <a:solidFill>
                   <a:srgbClr val="FFFFFF"/>
                 </a:solidFill>
               </a:rPr>
             </a:br>
             <a:r>
-              <a:rPr lang="it-IT" sz="4000" dirty="0" err="1">
+              <a:rPr lang="it-IT" sz="3200" dirty="0">
                 <a:solidFill>
                   <a:srgbClr val="FFFFFF"/>
                 </a:solidFill>
               </a:rPr>
-              <a:t>Shutterstock</a:t>
-            </a:r>
-            <a:endParaRPr lang="it-IT" sz="4000" dirty="0">
-              <a:solidFill>
-                <a:srgbClr val="FFFFFF"/>
-              </a:solidFill>
-            </a:endParaRPr>
+              <a:t>JSON di risposta</a:t>
+            </a:r>
           </a:p>
         </p:txBody>
       </p:sp>
@@ -8202,7 +8293,7 @@
           <p:cNvPr id="5" name="Immagine 4">
             <a:extLst>
               <a:ext uri="{FF2B5EF4-FFF2-40B4-BE49-F238E27FC236}">
-                <a16:creationId xmlns:a16="http://schemas.microsoft.com/office/drawing/2014/main" id="{2331F422-6BF4-408C-B2C1-1CC64331A46D}"/>
+                <a16:creationId xmlns:a16="http://schemas.microsoft.com/office/drawing/2014/main" id="{EE9CEFE3-465F-4A38-AF4A-96B0C715A514}"/>
               </a:ext>
             </a:extLst>
           </p:cNvPr>
@@ -8219,20 +8310,67 @@
         </p:blipFill>
         <p:spPr>
           <a:xfrm>
-            <a:off x="4864453" y="458475"/>
-            <a:ext cx="6224157" cy="1718086"/>
+            <a:off x="4298833" y="511388"/>
+            <a:ext cx="7847412" cy="2638897"/>
           </a:xfrm>
           <a:prstGeom prst="rect">
             <a:avLst/>
           </a:prstGeom>
         </p:spPr>
       </p:pic>
+      <p:sp>
+        <p:nvSpPr>
+          <p:cNvPr id="6" name="CasellaDiTesto 5">
+            <a:extLst>
+              <a:ext uri="{FF2B5EF4-FFF2-40B4-BE49-F238E27FC236}">
+                <a16:creationId xmlns:a16="http://schemas.microsoft.com/office/drawing/2014/main" id="{5974ED67-372F-4DF8-A9E4-D56CD8475EB7}"/>
+              </a:ext>
+            </a:extLst>
+          </p:cNvPr>
+          <p:cNvSpPr txBox="1"/>
+          <p:nvPr/>
+        </p:nvSpPr>
+        <p:spPr>
+          <a:xfrm>
+            <a:off x="4298832" y="3244334"/>
+            <a:ext cx="3393301" cy="369332"/>
+          </a:xfrm>
+          <a:prstGeom prst="rect">
+            <a:avLst/>
+          </a:prstGeom>
+          <a:noFill/>
+        </p:spPr>
+        <p:txBody>
+          <a:bodyPr wrap="none" rtlCol="0">
+            <a:spAutoFit/>
+          </a:bodyPr>
+          <a:lstStyle/>
+          <a:p>
+            <a:r>
+              <a:rPr lang="it-IT" dirty="0"/>
+              <a:t>Nel caso di richiesta di tipo </a:t>
+            </a:r>
+            <a:r>
+              <a:rPr lang="it-IT" b="1" dirty="0"/>
+              <a:t>/</a:t>
+            </a:r>
+            <a:r>
+              <a:rPr lang="it-IT" b="1" dirty="0" err="1"/>
+              <a:t>cases</a:t>
+            </a:r>
+            <a:r>
+              <a:rPr lang="it-IT" b="1" dirty="0"/>
+              <a:t> </a:t>
+            </a:r>
+          </a:p>
+        </p:txBody>
+      </p:sp>
       <p:pic>
         <p:nvPicPr>
-          <p:cNvPr id="7" name="Immagine 6">
-            <a:extLst>
-              <a:ext uri="{FF2B5EF4-FFF2-40B4-BE49-F238E27FC236}">
-                <a16:creationId xmlns:a16="http://schemas.microsoft.com/office/drawing/2014/main" id="{FB628326-DB76-41D1-B7F9-1B5F3FCACA38}"/>
+          <p:cNvPr id="11" name="Immagine 10">
+            <a:extLst>
+              <a:ext uri="{FF2B5EF4-FFF2-40B4-BE49-F238E27FC236}">
+                <a16:creationId xmlns:a16="http://schemas.microsoft.com/office/drawing/2014/main" id="{2C68958F-A49E-4766-AEAC-639246159DFD}"/>
               </a:ext>
             </a:extLst>
           </p:cNvPr>
@@ -8249,18 +8387,68 @@
         </p:blipFill>
         <p:spPr>
           <a:xfrm>
-            <a:off x="4054660" y="2415850"/>
-            <a:ext cx="8117450" cy="4367357"/>
+            <a:off x="4298832" y="4053117"/>
+            <a:ext cx="7847412" cy="1999070"/>
           </a:xfrm>
           <a:prstGeom prst="rect">
             <a:avLst/>
           </a:prstGeom>
         </p:spPr>
       </p:pic>
+      <p:sp>
+        <p:nvSpPr>
+          <p:cNvPr id="17" name="CasellaDiTesto 16">
+            <a:extLst>
+              <a:ext uri="{FF2B5EF4-FFF2-40B4-BE49-F238E27FC236}">
+                <a16:creationId xmlns:a16="http://schemas.microsoft.com/office/drawing/2014/main" id="{3AF446EF-ABB5-49CE-91F2-B06EB720E7FF}"/>
+              </a:ext>
+            </a:extLst>
+          </p:cNvPr>
+          <p:cNvSpPr txBox="1"/>
+          <p:nvPr/>
+        </p:nvSpPr>
+        <p:spPr>
+          <a:xfrm>
+            <a:off x="4298832" y="6131928"/>
+            <a:ext cx="3650871" cy="646331"/>
+          </a:xfrm>
+          <a:prstGeom prst="rect">
+            <a:avLst/>
+          </a:prstGeom>
+          <a:noFill/>
+        </p:spPr>
+        <p:txBody>
+          <a:bodyPr wrap="none" rtlCol="0">
+            <a:spAutoFit/>
+          </a:bodyPr>
+          <a:lstStyle/>
+          <a:p>
+            <a:r>
+              <a:rPr lang="it-IT" dirty="0"/>
+              <a:t>Nel caso di richiesta di tipo </a:t>
+            </a:r>
+            <a:r>
+              <a:rPr lang="it-IT" b="1" dirty="0"/>
+              <a:t>/</a:t>
+            </a:r>
+            <a:r>
+              <a:rPr lang="it-IT" b="1" dirty="0" err="1"/>
+              <a:t>vaccines</a:t>
+            </a:r>
+            <a:endParaRPr lang="it-IT" b="1" dirty="0"/>
+          </a:p>
+          <a:p>
+            <a:r>
+              <a:rPr lang="it-IT" b="1" dirty="0"/>
+              <a:t> </a:t>
+            </a:r>
+          </a:p>
+        </p:txBody>
+      </p:sp>
     </p:spTree>
     <p:extLst>
       <p:ext uri="{BB962C8B-B14F-4D97-AF65-F5344CB8AC3E}">
-        <p14:creationId xmlns:p14="http://schemas.microsoft.com/office/powerpoint/2010/main" val="1442824649"/>
+        <p14:creationId xmlns:p14="http://schemas.microsoft.com/office/powerpoint/2010/main" val="4234317347"/>
       </p:ext>
     </p:extLst>
   </p:cSld>
@@ -8270,7 +8458,7 @@
 </p:sld>
 </file>
 
-<file path=ppt/slides/slide7.xml><?xml version="1.0" encoding="utf-8"?>
+<file path=ppt/slides/slide6.xml><?xml version="1.0" encoding="utf-8"?>
 <p:sld xmlns:a="http://schemas.openxmlformats.org/drawingml/2006/main" xmlns:r="http://schemas.openxmlformats.org/officeDocument/2006/relationships" xmlns:p="http://schemas.openxmlformats.org/presentationml/2006/main">
   <p:cSld>
     <p:bg>
@@ -8922,7 +9110,7 @@
           <p:cNvPr id="2" name="Title 1">
             <a:extLst>
               <a:ext uri="{FF2B5EF4-FFF2-40B4-BE49-F238E27FC236}">
-                <a16:creationId xmlns:a16="http://schemas.microsoft.com/office/drawing/2014/main" id="{793E3554-1D0A-4FE7-968B-21CF8C909EBD}"/>
+                <a16:creationId xmlns:a16="http://schemas.microsoft.com/office/drawing/2014/main" id="{6C0937FD-3195-4E6E-AA7F-8D790A0A8ABA}"/>
               </a:ext>
             </a:extLst>
           </p:cNvPr>
@@ -8935,8 +9123,8 @@
         </p:nvSpPr>
         <p:spPr>
           <a:xfrm>
-            <a:off x="272955" y="586855"/>
-            <a:ext cx="3395133" cy="3387497"/>
+            <a:off x="466722" y="586855"/>
+            <a:ext cx="3201366" cy="3387497"/>
           </a:xfrm>
         </p:spPr>
         <p:txBody>
@@ -8952,7 +9140,7 @@
                   <a:srgbClr val="FFFFFF"/>
                 </a:solidFill>
               </a:rPr>
-              <a:t>API 2:</a:t>
+              <a:t>API 1:</a:t>
             </a:r>
             <a:br>
               <a:rPr lang="it-IT" sz="4000" dirty="0">
@@ -8977,7 +9165,7 @@
           <p:cNvPr id="4" name="Immagine 3">
             <a:extLst>
               <a:ext uri="{FF2B5EF4-FFF2-40B4-BE49-F238E27FC236}">
-                <a16:creationId xmlns:a16="http://schemas.microsoft.com/office/drawing/2014/main" id="{E3D1AB38-E41F-48BB-B35B-7586931D418E}"/>
+                <a16:creationId xmlns:a16="http://schemas.microsoft.com/office/drawing/2014/main" id="{2FEDC0F6-537C-44F4-A4E2-E9F95E28BE50}"/>
               </a:ext>
             </a:extLst>
           </p:cNvPr>
@@ -8994,8 +9182,8 @@
         </p:blipFill>
         <p:spPr>
           <a:xfrm>
-            <a:off x="6023516" y="143658"/>
-            <a:ext cx="4482237" cy="3131544"/>
+            <a:off x="5487381" y="254208"/>
+            <a:ext cx="5458988" cy="3387497"/>
           </a:xfrm>
           <a:prstGeom prst="rect">
             <a:avLst/>
@@ -9007,7 +9195,7 @@
           <p:cNvPr id="7" name="Immagine 6">
             <a:extLst>
               <a:ext uri="{FF2B5EF4-FFF2-40B4-BE49-F238E27FC236}">
-                <a16:creationId xmlns:a16="http://schemas.microsoft.com/office/drawing/2014/main" id="{0D4EDD93-ED8A-432A-8DFD-C11E2D988837}"/>
+                <a16:creationId xmlns:a16="http://schemas.microsoft.com/office/drawing/2014/main" id="{D8FCFCAC-1E65-4CC4-A531-4134F38AB002}"/>
               </a:ext>
             </a:extLst>
           </p:cNvPr>
@@ -9024,8 +9212,8 @@
         </p:blipFill>
         <p:spPr>
           <a:xfrm>
-            <a:off x="5372963" y="3418860"/>
-            <a:ext cx="5783344" cy="3018696"/>
+            <a:off x="5289438" y="3895913"/>
+            <a:ext cx="5854873" cy="2404379"/>
           </a:xfrm>
           <a:prstGeom prst="rect">
             <a:avLst/>
@@ -9035,7 +9223,7 @@
     </p:spTree>
     <p:extLst>
       <p:ext uri="{BB962C8B-B14F-4D97-AF65-F5344CB8AC3E}">
-        <p14:creationId xmlns:p14="http://schemas.microsoft.com/office/powerpoint/2010/main" val="2557014366"/>
+        <p14:creationId xmlns:p14="http://schemas.microsoft.com/office/powerpoint/2010/main" val="3250376665"/>
       </p:ext>
     </p:extLst>
   </p:cSld>
@@ -9045,7 +9233,7 @@
 </p:sld>
 </file>
 
-<file path=ppt/slides/slide8.xml><?xml version="1.0" encoding="utf-8"?>
+<file path=ppt/slides/slide7.xml><?xml version="1.0" encoding="utf-8"?>
 <p:sld xmlns:a="http://schemas.openxmlformats.org/drawingml/2006/main" xmlns:r="http://schemas.openxmlformats.org/officeDocument/2006/relationships" xmlns:p="http://schemas.openxmlformats.org/presentationml/2006/main">
   <p:cSld>
     <p:bg>
@@ -9697,7 +9885,7 @@
           <p:cNvPr id="2" name="Title 1">
             <a:extLst>
               <a:ext uri="{FF2B5EF4-FFF2-40B4-BE49-F238E27FC236}">
-                <a16:creationId xmlns:a16="http://schemas.microsoft.com/office/drawing/2014/main" id="{6C0937FD-3195-4E6E-AA7F-8D790A0A8ABA}"/>
+                <a16:creationId xmlns:a16="http://schemas.microsoft.com/office/drawing/2014/main" id="{793E3554-1D0A-4FE7-968B-21CF8C909EBD}"/>
               </a:ext>
             </a:extLst>
           </p:cNvPr>
@@ -9710,8 +9898,8 @@
         </p:nvSpPr>
         <p:spPr>
           <a:xfrm>
-            <a:off x="466722" y="586855"/>
-            <a:ext cx="3201366" cy="3387497"/>
+            <a:off x="272955" y="586855"/>
+            <a:ext cx="3395133" cy="3387497"/>
           </a:xfrm>
         </p:spPr>
         <p:txBody>
@@ -9722,7 +9910,7 @@
           <a:p>
             <a:pPr algn="r"/>
             <a:r>
-              <a:rPr lang="it-IT" sz="3200" dirty="0">
+              <a:rPr lang="it-IT" sz="4000" dirty="0">
                 <a:solidFill>
                   <a:srgbClr val="FFFFFF"/>
                 </a:solidFill>
@@ -9730,20 +9918,25 @@
               <a:t>API 2:</a:t>
             </a:r>
             <a:br>
-              <a:rPr lang="it-IT" sz="3200" dirty="0">
+              <a:rPr lang="it-IT" sz="4000" dirty="0">
                 <a:solidFill>
                   <a:srgbClr val="FFFFFF"/>
                 </a:solidFill>
               </a:rPr>
             </a:br>
             <a:r>
-              <a:rPr lang="it-IT" sz="3200" dirty="0">
+              <a:rPr lang="it-IT" sz="4000" dirty="0" err="1">
                 <a:solidFill>
                   <a:srgbClr val="FFFFFF"/>
                 </a:solidFill>
               </a:rPr>
-              <a:t>documentazione</a:t>
-            </a:r>
+              <a:t>Shutterstock</a:t>
+            </a:r>
+            <a:endParaRPr lang="it-IT" sz="4000" dirty="0">
+              <a:solidFill>
+                <a:srgbClr val="FFFFFF"/>
+              </a:solidFill>
+            </a:endParaRPr>
           </a:p>
         </p:txBody>
       </p:sp>
@@ -9752,7 +9945,7 @@
           <p:cNvPr id="5" name="Immagine 4">
             <a:extLst>
               <a:ext uri="{FF2B5EF4-FFF2-40B4-BE49-F238E27FC236}">
-                <a16:creationId xmlns:a16="http://schemas.microsoft.com/office/drawing/2014/main" id="{A7B81470-4BE6-4938-A286-B3359F9CA1D6}"/>
+                <a16:creationId xmlns:a16="http://schemas.microsoft.com/office/drawing/2014/main" id="{2331F422-6BF4-408C-B2C1-1CC64331A46D}"/>
               </a:ext>
             </a:extLst>
           </p:cNvPr>
@@ -9769,8 +9962,8 @@
         </p:blipFill>
         <p:spPr>
           <a:xfrm>
-            <a:off x="4395949" y="149666"/>
-            <a:ext cx="5140279" cy="4122530"/>
+            <a:off x="4864453" y="458475"/>
+            <a:ext cx="6224157" cy="1718086"/>
           </a:xfrm>
           <a:prstGeom prst="rect">
             <a:avLst/>
@@ -9782,7 +9975,7 @@
           <p:cNvPr id="7" name="Immagine 6">
             <a:extLst>
               <a:ext uri="{FF2B5EF4-FFF2-40B4-BE49-F238E27FC236}">
-                <a16:creationId xmlns:a16="http://schemas.microsoft.com/office/drawing/2014/main" id="{5BF76C38-19F8-4CBC-9DAE-B917D8ECE13D}"/>
+                <a16:creationId xmlns:a16="http://schemas.microsoft.com/office/drawing/2014/main" id="{FB628326-DB76-41D1-B7F9-1B5F3FCACA38}"/>
               </a:ext>
             </a:extLst>
           </p:cNvPr>
@@ -9799,6 +9992,781 @@
         </p:blipFill>
         <p:spPr>
           <a:xfrm>
+            <a:off x="4054660" y="2415850"/>
+            <a:ext cx="8117450" cy="4367357"/>
+          </a:xfrm>
+          <a:prstGeom prst="rect">
+            <a:avLst/>
+          </a:prstGeom>
+        </p:spPr>
+      </p:pic>
+    </p:spTree>
+    <p:extLst>
+      <p:ext uri="{BB962C8B-B14F-4D97-AF65-F5344CB8AC3E}">
+        <p14:creationId xmlns:p14="http://schemas.microsoft.com/office/powerpoint/2010/main" val="1442824649"/>
+      </p:ext>
+    </p:extLst>
+  </p:cSld>
+  <p:clrMapOvr>
+    <a:masterClrMapping/>
+  </p:clrMapOvr>
+</p:sld>
+</file>
+
+<file path=ppt/slides/slide8.xml><?xml version="1.0" encoding="utf-8"?>
+<p:sld xmlns:a="http://schemas.openxmlformats.org/drawingml/2006/main" xmlns:r="http://schemas.openxmlformats.org/officeDocument/2006/relationships" xmlns:p="http://schemas.openxmlformats.org/presentationml/2006/main">
+  <p:cSld>
+    <p:bg>
+      <p:bgPr>
+        <a:solidFill>
+          <a:schemeClr val="bg1"/>
+        </a:solidFill>
+        <a:effectLst/>
+      </p:bgPr>
+    </p:bg>
+    <p:spTree>
+      <p:nvGrpSpPr>
+        <p:cNvPr id="1" name=""/>
+        <p:cNvGrpSpPr/>
+        <p:nvPr/>
+      </p:nvGrpSpPr>
+      <p:grpSpPr>
+        <a:xfrm>
+          <a:off x="0" y="0"/>
+          <a:ext cx="0" cy="0"/>
+          <a:chOff x="0" y="0"/>
+          <a:chExt cx="0" cy="0"/>
+        </a:xfrm>
+      </p:grpSpPr>
+      <p:sp useBgFill="1">
+        <p:nvSpPr>
+          <p:cNvPr id="8" name="Rectangle 7">
+            <a:extLst>
+              <a:ext uri="{FF2B5EF4-FFF2-40B4-BE49-F238E27FC236}">
+                <a16:creationId xmlns:a16="http://schemas.microsoft.com/office/drawing/2014/main" id="{09588DA8-065E-4F6F-8EFD-43104AB2E0CF}"/>
+              </a:ext>
+              <a:ext uri="{C183D7F6-B498-43B3-948B-1728B52AA6E4}">
+                <adec:decorative xmlns:adec="http://schemas.microsoft.com/office/drawing/2017/decorative" val="1"/>
+              </a:ext>
+            </a:extLst>
+          </p:cNvPr>
+          <p:cNvSpPr>
+            <a:spLocks noGrp="1" noRot="1" noChangeAspect="1" noMove="1" noResize="1" noEditPoints="1" noAdjustHandles="1" noChangeArrowheads="1" noChangeShapeType="1" noTextEdit="1"/>
+          </p:cNvSpPr>
+          <p:nvPr>
+            <p:extLst>
+              <p:ext uri="{386F3935-93C4-4BCD-93E2-E3B085C9AB24}">
+                <p16:designElem xmlns:p16="http://schemas.microsoft.com/office/powerpoint/2015/main" val="1"/>
+              </p:ext>
+            </p:extLst>
+          </p:nvPr>
+        </p:nvSpPr>
+        <p:spPr>
+          <a:xfrm>
+            <a:off x="0" y="0"/>
+            <a:ext cx="12192000" cy="6858000"/>
+          </a:xfrm>
+          <a:prstGeom prst="rect">
+            <a:avLst/>
+          </a:prstGeom>
+          <a:ln w="12700" cap="flat" cmpd="sng" algn="ctr">
+            <a:noFill/>
+            <a:prstDash val="solid"/>
+            <a:miter lim="800000"/>
+          </a:ln>
+          <a:effectLst/>
+          <a:extLst>
+            <a:ext uri="{91240B29-F687-4F45-9708-019B960494DF}">
+              <a14:hiddenLine xmlns:a14="http://schemas.microsoft.com/office/drawing/2010/main" w="12700" cap="flat" cmpd="sng" algn="ctr">
+                <a:solidFill>
+                  <a:schemeClr val="accent1">
+                    <a:shade val="50000"/>
+                  </a:schemeClr>
+                </a:solidFill>
+                <a:prstDash val="solid"/>
+                <a:miter lim="800000"/>
+              </a14:hiddenLine>
+            </a:ext>
+          </a:extLst>
+        </p:spPr>
+        <p:style>
+          <a:lnRef idx="2">
+            <a:schemeClr val="accent1">
+              <a:shade val="50000"/>
+            </a:schemeClr>
+          </a:lnRef>
+          <a:fillRef idx="1">
+            <a:schemeClr val="accent1"/>
+          </a:fillRef>
+          <a:effectRef idx="0">
+            <a:schemeClr val="accent1"/>
+          </a:effectRef>
+          <a:fontRef idx="minor">
+            <a:schemeClr val="lt1"/>
+          </a:fontRef>
+        </p:style>
+        <p:txBody>
+          <a:bodyPr rtlCol="0" anchor="ctr"/>
+          <a:lstStyle/>
+          <a:p>
+            <a:pPr algn="ctr"/>
+            <a:endParaRPr lang="en-US"/>
+          </a:p>
+        </p:txBody>
+      </p:sp>
+      <p:sp useBgFill="1">
+        <p:nvSpPr>
+          <p:cNvPr id="10" name="Rectangle 9">
+            <a:extLst>
+              <a:ext uri="{FF2B5EF4-FFF2-40B4-BE49-F238E27FC236}">
+                <a16:creationId xmlns:a16="http://schemas.microsoft.com/office/drawing/2014/main" id="{C4285719-470E-454C-AF62-8323075F1F5B}"/>
+              </a:ext>
+              <a:ext uri="{C183D7F6-B498-43B3-948B-1728B52AA6E4}">
+                <adec:decorative xmlns:adec="http://schemas.microsoft.com/office/drawing/2017/decorative" val="1"/>
+              </a:ext>
+            </a:extLst>
+          </p:cNvPr>
+          <p:cNvSpPr>
+            <a:spLocks noGrp="1" noRot="1" noChangeAspect="1" noMove="1" noResize="1" noEditPoints="1" noAdjustHandles="1" noChangeArrowheads="1" noChangeShapeType="1" noTextEdit="1"/>
+          </p:cNvSpPr>
+          <p:nvPr>
+            <p:extLst>
+              <p:ext uri="{386F3935-93C4-4BCD-93E2-E3B085C9AB24}">
+                <p16:designElem xmlns:p16="http://schemas.microsoft.com/office/powerpoint/2015/main" val="1"/>
+              </p:ext>
+            </p:extLst>
+          </p:nvPr>
+        </p:nvSpPr>
+        <p:spPr>
+          <a:xfrm>
+            <a:off x="0" y="0"/>
+            <a:ext cx="12188952" cy="6858000"/>
+          </a:xfrm>
+          <a:prstGeom prst="rect">
+            <a:avLst/>
+          </a:prstGeom>
+          <a:ln w="12700" cap="flat" cmpd="sng" algn="ctr">
+            <a:noFill/>
+            <a:prstDash val="solid"/>
+            <a:miter lim="800000"/>
+          </a:ln>
+          <a:effectLst/>
+          <a:extLst>
+            <a:ext uri="{91240B29-F687-4F45-9708-019B960494DF}">
+              <a14:hiddenLine xmlns:a14="http://schemas.microsoft.com/office/drawing/2010/main" w="12700" cap="flat" cmpd="sng" algn="ctr">
+                <a:solidFill>
+                  <a:schemeClr val="accent1">
+                    <a:shade val="50000"/>
+                  </a:schemeClr>
+                </a:solidFill>
+                <a:prstDash val="solid"/>
+                <a:miter lim="800000"/>
+              </a14:hiddenLine>
+            </a:ext>
+          </a:extLst>
+        </p:spPr>
+        <p:style>
+          <a:lnRef idx="2">
+            <a:schemeClr val="accent1">
+              <a:shade val="50000"/>
+            </a:schemeClr>
+          </a:lnRef>
+          <a:fillRef idx="1">
+            <a:schemeClr val="accent1"/>
+          </a:fillRef>
+          <a:effectRef idx="0">
+            <a:schemeClr val="accent1"/>
+          </a:effectRef>
+          <a:fontRef idx="minor">
+            <a:schemeClr val="lt1"/>
+          </a:fontRef>
+        </p:style>
+        <p:txBody>
+          <a:bodyPr rtlCol="0" anchor="ctr"/>
+          <a:lstStyle/>
+          <a:p>
+            <a:pPr algn="ctr"/>
+            <a:endParaRPr lang="en-US"/>
+          </a:p>
+        </p:txBody>
+      </p:sp>
+      <p:sp>
+        <p:nvSpPr>
+          <p:cNvPr id="12" name="Rectangle 11">
+            <a:extLst>
+              <a:ext uri="{FF2B5EF4-FFF2-40B4-BE49-F238E27FC236}">
+                <a16:creationId xmlns:a16="http://schemas.microsoft.com/office/drawing/2014/main" id="{CD9FE4EF-C4D8-49A0-B2FF-81D8DB7D8A24}"/>
+              </a:ext>
+              <a:ext uri="{C183D7F6-B498-43B3-948B-1728B52AA6E4}">
+                <adec:decorative xmlns:adec="http://schemas.microsoft.com/office/drawing/2017/decorative" val="1"/>
+              </a:ext>
+            </a:extLst>
+          </p:cNvPr>
+          <p:cNvSpPr>
+            <a:spLocks noGrp="1" noRot="1" noChangeAspect="1" noMove="1" noResize="1" noEditPoints="1" noAdjustHandles="1" noChangeArrowheads="1" noChangeShapeType="1" noTextEdit="1"/>
+          </p:cNvSpPr>
+          <p:nvPr>
+            <p:extLst>
+              <p:ext uri="{386F3935-93C4-4BCD-93E2-E3B085C9AB24}">
+                <p16:designElem xmlns:p16="http://schemas.microsoft.com/office/powerpoint/2015/main" val="1"/>
+              </p:ext>
+            </p:extLst>
+          </p:nvPr>
+        </p:nvSpPr>
+        <p:spPr>
+          <a:xfrm rot="5400000" flipH="1">
+            <a:off x="-1410084" y="1410082"/>
+            <a:ext cx="6858000" cy="4037836"/>
+          </a:xfrm>
+          <a:prstGeom prst="rect">
+            <a:avLst/>
+          </a:prstGeom>
+          <a:gradFill>
+            <a:gsLst>
+              <a:gs pos="8000">
+                <a:srgbClr val="000000"/>
+              </a:gs>
+              <a:gs pos="100000">
+                <a:schemeClr val="accent1">
+                  <a:lumMod val="75000"/>
+                </a:schemeClr>
+              </a:gs>
+            </a:gsLst>
+            <a:lin ang="3000000" scaled="0"/>
+          </a:gradFill>
+          <a:ln>
+            <a:noFill/>
+          </a:ln>
+        </p:spPr>
+        <p:style>
+          <a:lnRef idx="2">
+            <a:schemeClr val="accent1">
+              <a:shade val="50000"/>
+            </a:schemeClr>
+          </a:lnRef>
+          <a:fillRef idx="1">
+            <a:schemeClr val="accent1"/>
+          </a:fillRef>
+          <a:effectRef idx="0">
+            <a:schemeClr val="accent1"/>
+          </a:effectRef>
+          <a:fontRef idx="minor">
+            <a:schemeClr val="lt1"/>
+          </a:fontRef>
+        </p:style>
+        <p:txBody>
+          <a:bodyPr rtlCol="0" anchor="ctr"/>
+          <a:lstStyle/>
+          <a:p>
+            <a:pPr algn="ctr"/>
+            <a:endParaRPr lang="en-US"/>
+          </a:p>
+        </p:txBody>
+      </p:sp>
+      <p:sp>
+        <p:nvSpPr>
+          <p:cNvPr id="14" name="Rectangle 13">
+            <a:extLst>
+              <a:ext uri="{FF2B5EF4-FFF2-40B4-BE49-F238E27FC236}">
+                <a16:creationId xmlns:a16="http://schemas.microsoft.com/office/drawing/2014/main" id="{4300840D-0A0B-4512-BACA-B439D5B9C57C}"/>
+              </a:ext>
+              <a:ext uri="{C183D7F6-B498-43B3-948B-1728B52AA6E4}">
+                <adec:decorative xmlns:adec="http://schemas.microsoft.com/office/drawing/2017/decorative" val="1"/>
+              </a:ext>
+            </a:extLst>
+          </p:cNvPr>
+          <p:cNvSpPr>
+            <a:spLocks noGrp="1" noRot="1" noChangeAspect="1" noMove="1" noResize="1" noEditPoints="1" noAdjustHandles="1" noChangeArrowheads="1" noChangeShapeType="1" noTextEdit="1"/>
+          </p:cNvSpPr>
+          <p:nvPr>
+            <p:extLst>
+              <p:ext uri="{386F3935-93C4-4BCD-93E2-E3B085C9AB24}">
+                <p16:designElem xmlns:p16="http://schemas.microsoft.com/office/powerpoint/2015/main" val="1"/>
+              </p:ext>
+            </p:extLst>
+          </p:nvPr>
+        </p:nvSpPr>
+        <p:spPr>
+          <a:xfrm rot="5400000" flipH="1">
+            <a:off x="-1410085" y="1420219"/>
+            <a:ext cx="6857999" cy="4037839"/>
+          </a:xfrm>
+          <a:prstGeom prst="rect">
+            <a:avLst/>
+          </a:prstGeom>
+          <a:gradFill>
+            <a:gsLst>
+              <a:gs pos="0">
+                <a:srgbClr val="000000">
+                  <a:alpha val="0"/>
+                </a:srgbClr>
+              </a:gs>
+              <a:gs pos="99000">
+                <a:schemeClr val="accent1">
+                  <a:alpha val="46000"/>
+                </a:schemeClr>
+              </a:gs>
+            </a:gsLst>
+            <a:lin ang="1800000" scaled="0"/>
+          </a:gradFill>
+          <a:ln>
+            <a:noFill/>
+          </a:ln>
+        </p:spPr>
+        <p:style>
+          <a:lnRef idx="2">
+            <a:schemeClr val="accent1">
+              <a:shade val="50000"/>
+            </a:schemeClr>
+          </a:lnRef>
+          <a:fillRef idx="1">
+            <a:schemeClr val="accent1"/>
+          </a:fillRef>
+          <a:effectRef idx="0">
+            <a:schemeClr val="accent1"/>
+          </a:effectRef>
+          <a:fontRef idx="minor">
+            <a:schemeClr val="lt1"/>
+          </a:fontRef>
+        </p:style>
+        <p:txBody>
+          <a:bodyPr rtlCol="0" anchor="ctr"/>
+          <a:lstStyle/>
+          <a:p>
+            <a:pPr algn="ctr"/>
+            <a:endParaRPr lang="en-US"/>
+          </a:p>
+        </p:txBody>
+      </p:sp>
+      <p:sp>
+        <p:nvSpPr>
+          <p:cNvPr id="16" name="Rectangle 15">
+            <a:extLst>
+              <a:ext uri="{FF2B5EF4-FFF2-40B4-BE49-F238E27FC236}">
+                <a16:creationId xmlns:a16="http://schemas.microsoft.com/office/drawing/2014/main" id="{D2B78728-A580-49A7-84F9-6EF6F583ADE0}"/>
+              </a:ext>
+              <a:ext uri="{C183D7F6-B498-43B3-948B-1728B52AA6E4}">
+                <adec:decorative xmlns:adec="http://schemas.microsoft.com/office/drawing/2017/decorative" val="1"/>
+              </a:ext>
+            </a:extLst>
+          </p:cNvPr>
+          <p:cNvSpPr>
+            <a:spLocks noGrp="1" noRot="1" noChangeAspect="1" noMove="1" noResize="1" noEditPoints="1" noAdjustHandles="1" noChangeArrowheads="1" noChangeShapeType="1" noTextEdit="1"/>
+          </p:cNvSpPr>
+          <p:nvPr>
+            <p:extLst>
+              <p:ext uri="{386F3935-93C4-4BCD-93E2-E3B085C9AB24}">
+                <p16:designElem xmlns:p16="http://schemas.microsoft.com/office/powerpoint/2015/main" val="1"/>
+              </p:ext>
+            </p:extLst>
+          </p:nvPr>
+        </p:nvSpPr>
+        <p:spPr>
+          <a:xfrm rot="5400000" flipH="1">
+            <a:off x="767923" y="3588085"/>
+            <a:ext cx="2501979" cy="4037841"/>
+          </a:xfrm>
+          <a:prstGeom prst="rect">
+            <a:avLst/>
+          </a:prstGeom>
+          <a:gradFill>
+            <a:gsLst>
+              <a:gs pos="2000">
+                <a:schemeClr val="accent1">
+                  <a:alpha val="29000"/>
+                </a:schemeClr>
+              </a:gs>
+              <a:gs pos="100000">
+                <a:srgbClr val="000000">
+                  <a:alpha val="30000"/>
+                </a:srgbClr>
+              </a:gs>
+            </a:gsLst>
+            <a:lin ang="7800000" scaled="0"/>
+          </a:gradFill>
+          <a:ln>
+            <a:noFill/>
+          </a:ln>
+        </p:spPr>
+        <p:style>
+          <a:lnRef idx="2">
+            <a:schemeClr val="accent1">
+              <a:shade val="50000"/>
+            </a:schemeClr>
+          </a:lnRef>
+          <a:fillRef idx="1">
+            <a:schemeClr val="accent1"/>
+          </a:fillRef>
+          <a:effectRef idx="0">
+            <a:schemeClr val="accent1"/>
+          </a:effectRef>
+          <a:fontRef idx="minor">
+            <a:schemeClr val="lt1"/>
+          </a:fontRef>
+        </p:style>
+        <p:txBody>
+          <a:bodyPr rtlCol="0" anchor="ctr"/>
+          <a:lstStyle/>
+          <a:p>
+            <a:pPr algn="ctr"/>
+            <a:endParaRPr lang="en-US" dirty="0"/>
+          </a:p>
+        </p:txBody>
+      </p:sp>
+      <p:sp>
+        <p:nvSpPr>
+          <p:cNvPr id="18" name="Freeform: Shape 17">
+            <a:extLst>
+              <a:ext uri="{FF2B5EF4-FFF2-40B4-BE49-F238E27FC236}">
+                <a16:creationId xmlns:a16="http://schemas.microsoft.com/office/drawing/2014/main" id="{38FAA1A1-D861-433F-88FA-1E9D6FD31D11}"/>
+              </a:ext>
+              <a:ext uri="{C183D7F6-B498-43B3-948B-1728B52AA6E4}">
+                <adec:decorative xmlns:adec="http://schemas.microsoft.com/office/drawing/2017/decorative" val="1"/>
+              </a:ext>
+            </a:extLst>
+          </p:cNvPr>
+          <p:cNvSpPr>
+            <a:spLocks noGrp="1" noRot="1" noChangeAspect="1" noMove="1" noResize="1" noEditPoints="1" noAdjustHandles="1" noChangeArrowheads="1" noChangeShapeType="1" noTextEdit="1"/>
+          </p:cNvSpPr>
+          <p:nvPr>
+            <p:extLst>
+              <p:ext uri="{386F3935-93C4-4BCD-93E2-E3B085C9AB24}">
+                <p16:designElem xmlns:p16="http://schemas.microsoft.com/office/powerpoint/2015/main" val="1"/>
+              </p:ext>
+            </p:extLst>
+          </p:nvPr>
+        </p:nvSpPr>
+        <p:spPr>
+          <a:xfrm rot="20635413">
+            <a:off x="-501737" y="969718"/>
+            <a:ext cx="3900357" cy="4178958"/>
+          </a:xfrm>
+          <a:custGeom>
+            <a:avLst/>
+            <a:gdLst>
+              <a:gd name="connsiteX0" fmla="*/ 2432225 w 3900357"/>
+              <a:gd name="connsiteY0" fmla="*/ 93939 h 4178958"/>
+              <a:gd name="connsiteX1" fmla="*/ 3900357 w 3900357"/>
+              <a:gd name="connsiteY1" fmla="*/ 2089479 h 4178958"/>
+              <a:gd name="connsiteX2" fmla="*/ 1810878 w 3900357"/>
+              <a:gd name="connsiteY2" fmla="*/ 4178958 h 4178958"/>
+              <a:gd name="connsiteX3" fmla="*/ 78249 w 3900357"/>
+              <a:gd name="connsiteY3" fmla="*/ 3257727 h 4178958"/>
+              <a:gd name="connsiteX4" fmla="*/ 0 w 3900357"/>
+              <a:gd name="connsiteY4" fmla="*/ 3128923 h 4178958"/>
+              <a:gd name="connsiteX5" fmla="*/ 831324 w 3900357"/>
+              <a:gd name="connsiteY5" fmla="*/ 244281 h 4178958"/>
+              <a:gd name="connsiteX6" fmla="*/ 997559 w 3900357"/>
+              <a:gd name="connsiteY6" fmla="*/ 164202 h 4178958"/>
+              <a:gd name="connsiteX7" fmla="*/ 1810878 w 3900357"/>
+              <a:gd name="connsiteY7" fmla="*/ 0 h 4178958"/>
+              <a:gd name="connsiteX8" fmla="*/ 2432225 w 3900357"/>
+              <a:gd name="connsiteY8" fmla="*/ 93939 h 4178958"/>
+            </a:gdLst>
+            <a:ahLst/>
+            <a:cxnLst>
+              <a:cxn ang="0">
+                <a:pos x="connsiteX0" y="connsiteY0"/>
+              </a:cxn>
+              <a:cxn ang="0">
+                <a:pos x="connsiteX1" y="connsiteY1"/>
+              </a:cxn>
+              <a:cxn ang="0">
+                <a:pos x="connsiteX2" y="connsiteY2"/>
+              </a:cxn>
+              <a:cxn ang="0">
+                <a:pos x="connsiteX3" y="connsiteY3"/>
+              </a:cxn>
+              <a:cxn ang="0">
+                <a:pos x="connsiteX4" y="connsiteY4"/>
+              </a:cxn>
+              <a:cxn ang="0">
+                <a:pos x="connsiteX5" y="connsiteY5"/>
+              </a:cxn>
+              <a:cxn ang="0">
+                <a:pos x="connsiteX6" y="connsiteY6"/>
+              </a:cxn>
+              <a:cxn ang="0">
+                <a:pos x="connsiteX7" y="connsiteY7"/>
+              </a:cxn>
+              <a:cxn ang="0">
+                <a:pos x="connsiteX8" y="connsiteY8"/>
+              </a:cxn>
+            </a:cxnLst>
+            <a:rect l="l" t="t" r="r" b="b"/>
+            <a:pathLst>
+              <a:path w="3900357" h="4178958">
+                <a:moveTo>
+                  <a:pt x="2432225" y="93939"/>
+                </a:moveTo>
+                <a:cubicBezTo>
+                  <a:pt x="3282786" y="358491"/>
+                  <a:pt x="3900357" y="1151865"/>
+                  <a:pt x="3900357" y="2089479"/>
+                </a:cubicBezTo>
+                <a:cubicBezTo>
+                  <a:pt x="3900357" y="3243466"/>
+                  <a:pt x="2964865" y="4178958"/>
+                  <a:pt x="1810878" y="4178958"/>
+                </a:cubicBezTo>
+                <a:cubicBezTo>
+                  <a:pt x="1089636" y="4178958"/>
+                  <a:pt x="453744" y="3813531"/>
+                  <a:pt x="78249" y="3257727"/>
+                </a:cubicBezTo>
+                <a:lnTo>
+                  <a:pt x="0" y="3128923"/>
+                </a:lnTo>
+                <a:lnTo>
+                  <a:pt x="831324" y="244281"/>
+                </a:lnTo>
+                <a:lnTo>
+                  <a:pt x="997559" y="164202"/>
+                </a:lnTo>
+                <a:cubicBezTo>
+                  <a:pt x="1247540" y="58468"/>
+                  <a:pt x="1522381" y="0"/>
+                  <a:pt x="1810878" y="0"/>
+                </a:cubicBezTo>
+                <a:cubicBezTo>
+                  <a:pt x="2027251" y="0"/>
+                  <a:pt x="2235942" y="32888"/>
+                  <a:pt x="2432225" y="93939"/>
+                </a:cubicBezTo>
+                <a:close/>
+              </a:path>
+            </a:pathLst>
+          </a:custGeom>
+          <a:gradFill>
+            <a:gsLst>
+              <a:gs pos="29000">
+                <a:srgbClr val="000000">
+                  <a:alpha val="0"/>
+                </a:srgbClr>
+              </a:gs>
+              <a:gs pos="100000">
+                <a:schemeClr val="accent1">
+                  <a:alpha val="43000"/>
+                </a:schemeClr>
+              </a:gs>
+            </a:gsLst>
+            <a:lin ang="1800000" scaled="0"/>
+          </a:gradFill>
+          <a:ln>
+            <a:noFill/>
+          </a:ln>
+        </p:spPr>
+        <p:style>
+          <a:lnRef idx="2">
+            <a:schemeClr val="accent1">
+              <a:shade val="50000"/>
+            </a:schemeClr>
+          </a:lnRef>
+          <a:fillRef idx="1">
+            <a:schemeClr val="accent1"/>
+          </a:fillRef>
+          <a:effectRef idx="0">
+            <a:schemeClr val="accent1"/>
+          </a:effectRef>
+          <a:fontRef idx="minor">
+            <a:schemeClr val="lt1"/>
+          </a:fontRef>
+        </p:style>
+        <p:txBody>
+          <a:bodyPr wrap="square" rtlCol="0" anchor="ctr">
+            <a:noAutofit/>
+          </a:bodyPr>
+          <a:lstStyle/>
+          <a:p>
+            <a:pPr algn="ctr"/>
+            <a:endParaRPr lang="en-US" dirty="0"/>
+          </a:p>
+        </p:txBody>
+      </p:sp>
+      <p:sp>
+        <p:nvSpPr>
+          <p:cNvPr id="20" name="Rectangle 19">
+            <a:extLst>
+              <a:ext uri="{FF2B5EF4-FFF2-40B4-BE49-F238E27FC236}">
+                <a16:creationId xmlns:a16="http://schemas.microsoft.com/office/drawing/2014/main" id="{8D71EDA1-87BF-4D5D-AB79-F346FD19278A}"/>
+              </a:ext>
+              <a:ext uri="{C183D7F6-B498-43B3-948B-1728B52AA6E4}">
+                <adec:decorative xmlns:adec="http://schemas.microsoft.com/office/drawing/2017/decorative" val="1"/>
+              </a:ext>
+            </a:extLst>
+          </p:cNvPr>
+          <p:cNvSpPr>
+            <a:spLocks noGrp="1" noRot="1" noChangeAspect="1" noMove="1" noResize="1" noEditPoints="1" noAdjustHandles="1" noChangeArrowheads="1" noChangeShapeType="1" noTextEdit="1"/>
+          </p:cNvSpPr>
+          <p:nvPr>
+            <p:extLst>
+              <p:ext uri="{386F3935-93C4-4BCD-93E2-E3B085C9AB24}">
+                <p16:designElem xmlns:p16="http://schemas.microsoft.com/office/powerpoint/2015/main" val="1"/>
+              </p:ext>
+            </p:extLst>
+          </p:nvPr>
+        </p:nvSpPr>
+        <p:spPr>
+          <a:xfrm rot="5400000" flipH="1">
+            <a:off x="-1410093" y="1399943"/>
+            <a:ext cx="6858003" cy="4037835"/>
+          </a:xfrm>
+          <a:prstGeom prst="rect">
+            <a:avLst/>
+          </a:prstGeom>
+          <a:gradFill>
+            <a:gsLst>
+              <a:gs pos="0">
+                <a:srgbClr val="000000">
+                  <a:alpha val="0"/>
+                </a:srgbClr>
+              </a:gs>
+              <a:gs pos="99000">
+                <a:schemeClr val="accent1">
+                  <a:lumMod val="60000"/>
+                  <a:lumOff val="40000"/>
+                  <a:alpha val="11000"/>
+                </a:schemeClr>
+              </a:gs>
+            </a:gsLst>
+            <a:lin ang="7200000" scaled="0"/>
+          </a:gradFill>
+          <a:ln>
+            <a:noFill/>
+          </a:ln>
+        </p:spPr>
+        <p:style>
+          <a:lnRef idx="2">
+            <a:schemeClr val="accent1">
+              <a:shade val="50000"/>
+            </a:schemeClr>
+          </a:lnRef>
+          <a:fillRef idx="1">
+            <a:schemeClr val="accent1"/>
+          </a:fillRef>
+          <a:effectRef idx="0">
+            <a:schemeClr val="accent1"/>
+          </a:effectRef>
+          <a:fontRef idx="minor">
+            <a:schemeClr val="lt1"/>
+          </a:fontRef>
+        </p:style>
+        <p:txBody>
+          <a:bodyPr rtlCol="0" anchor="ctr"/>
+          <a:lstStyle/>
+          <a:p>
+            <a:pPr algn="ctr"/>
+            <a:endParaRPr lang="en-US"/>
+          </a:p>
+        </p:txBody>
+      </p:sp>
+      <p:sp>
+        <p:nvSpPr>
+          <p:cNvPr id="2" name="Title 1">
+            <a:extLst>
+              <a:ext uri="{FF2B5EF4-FFF2-40B4-BE49-F238E27FC236}">
+                <a16:creationId xmlns:a16="http://schemas.microsoft.com/office/drawing/2014/main" id="{6C0937FD-3195-4E6E-AA7F-8D790A0A8ABA}"/>
+              </a:ext>
+            </a:extLst>
+          </p:cNvPr>
+          <p:cNvSpPr>
+            <a:spLocks noGrp="1"/>
+          </p:cNvSpPr>
+          <p:nvPr>
+            <p:ph type="title"/>
+          </p:nvPr>
+        </p:nvSpPr>
+        <p:spPr>
+          <a:xfrm>
+            <a:off x="466722" y="586855"/>
+            <a:ext cx="3201366" cy="3387497"/>
+          </a:xfrm>
+        </p:spPr>
+        <p:txBody>
+          <a:bodyPr anchor="b">
+            <a:normAutofit/>
+          </a:bodyPr>
+          <a:lstStyle/>
+          <a:p>
+            <a:pPr algn="r"/>
+            <a:r>
+              <a:rPr lang="it-IT" sz="3200" dirty="0">
+                <a:solidFill>
+                  <a:srgbClr val="FFFFFF"/>
+                </a:solidFill>
+              </a:rPr>
+              <a:t>API 2:</a:t>
+            </a:r>
+            <a:br>
+              <a:rPr lang="it-IT" sz="3200" dirty="0">
+                <a:solidFill>
+                  <a:srgbClr val="FFFFFF"/>
+                </a:solidFill>
+              </a:rPr>
+            </a:br>
+            <a:r>
+              <a:rPr lang="it-IT" sz="3200" dirty="0">
+                <a:solidFill>
+                  <a:srgbClr val="FFFFFF"/>
+                </a:solidFill>
+              </a:rPr>
+              <a:t>documentazione</a:t>
+            </a:r>
+          </a:p>
+        </p:txBody>
+      </p:sp>
+      <p:pic>
+        <p:nvPicPr>
+          <p:cNvPr id="5" name="Immagine 4">
+            <a:extLst>
+              <a:ext uri="{FF2B5EF4-FFF2-40B4-BE49-F238E27FC236}">
+                <a16:creationId xmlns:a16="http://schemas.microsoft.com/office/drawing/2014/main" id="{A7B81470-4BE6-4938-A286-B3359F9CA1D6}"/>
+              </a:ext>
+            </a:extLst>
+          </p:cNvPr>
+          <p:cNvPicPr>
+            <a:picLocks noChangeAspect="1"/>
+          </p:cNvPicPr>
+          <p:nvPr/>
+        </p:nvPicPr>
+        <p:blipFill>
+          <a:blip r:embed="rId2"/>
+          <a:stretch>
+            <a:fillRect/>
+          </a:stretch>
+        </p:blipFill>
+        <p:spPr>
+          <a:xfrm>
+            <a:off x="4395949" y="149666"/>
+            <a:ext cx="5140279" cy="4122530"/>
+          </a:xfrm>
+          <a:prstGeom prst="rect">
+            <a:avLst/>
+          </a:prstGeom>
+        </p:spPr>
+      </p:pic>
+      <p:pic>
+        <p:nvPicPr>
+          <p:cNvPr id="7" name="Immagine 6">
+            <a:extLst>
+              <a:ext uri="{FF2B5EF4-FFF2-40B4-BE49-F238E27FC236}">
+                <a16:creationId xmlns:a16="http://schemas.microsoft.com/office/drawing/2014/main" id="{5BF76C38-19F8-4CBC-9DAE-B917D8ECE13D}"/>
+              </a:ext>
+            </a:extLst>
+          </p:cNvPr>
+          <p:cNvPicPr>
+            <a:picLocks noChangeAspect="1"/>
+          </p:cNvPicPr>
+          <p:nvPr/>
+        </p:nvPicPr>
+        <p:blipFill>
+          <a:blip r:embed="rId3"/>
+          <a:stretch>
+            <a:fillRect/>
+          </a:stretch>
+        </p:blipFill>
+        <p:spPr>
+          <a:xfrm>
             <a:off x="4395949" y="4272196"/>
             <a:ext cx="6267311" cy="2520886"/>
           </a:xfrm>
@@ -9811,6 +10779,1013 @@
     <p:extLst>
       <p:ext uri="{BB962C8B-B14F-4D97-AF65-F5344CB8AC3E}">
         <p14:creationId xmlns:p14="http://schemas.microsoft.com/office/powerpoint/2010/main" val="2298361762"/>
+      </p:ext>
+    </p:extLst>
+  </p:cSld>
+  <p:clrMapOvr>
+    <a:masterClrMapping/>
+  </p:clrMapOvr>
+</p:sld>
+</file>
+
+<file path=ppt/slides/slide9.xml><?xml version="1.0" encoding="utf-8"?>
+<p:sld xmlns:a="http://schemas.openxmlformats.org/drawingml/2006/main" xmlns:r="http://schemas.openxmlformats.org/officeDocument/2006/relationships" xmlns:p="http://schemas.openxmlformats.org/presentationml/2006/main">
+  <p:cSld>
+    <p:bg>
+      <p:bgPr>
+        <a:solidFill>
+          <a:schemeClr val="bg1"/>
+        </a:solidFill>
+        <a:effectLst/>
+      </p:bgPr>
+    </p:bg>
+    <p:spTree>
+      <p:nvGrpSpPr>
+        <p:cNvPr id="1" name=""/>
+        <p:cNvGrpSpPr/>
+        <p:nvPr/>
+      </p:nvGrpSpPr>
+      <p:grpSpPr>
+        <a:xfrm>
+          <a:off x="0" y="0"/>
+          <a:ext cx="0" cy="0"/>
+          <a:chOff x="0" y="0"/>
+          <a:chExt cx="0" cy="0"/>
+        </a:xfrm>
+      </p:grpSpPr>
+      <p:sp useBgFill="1">
+        <p:nvSpPr>
+          <p:cNvPr id="8" name="Rectangle 7">
+            <a:extLst>
+              <a:ext uri="{FF2B5EF4-FFF2-40B4-BE49-F238E27FC236}">
+                <a16:creationId xmlns:a16="http://schemas.microsoft.com/office/drawing/2014/main" id="{09588DA8-065E-4F6F-8EFD-43104AB2E0CF}"/>
+              </a:ext>
+              <a:ext uri="{C183D7F6-B498-43B3-948B-1728B52AA6E4}">
+                <adec:decorative xmlns:adec="http://schemas.microsoft.com/office/drawing/2017/decorative" val="1"/>
+              </a:ext>
+            </a:extLst>
+          </p:cNvPr>
+          <p:cNvSpPr>
+            <a:spLocks noGrp="1" noRot="1" noChangeAspect="1" noMove="1" noResize="1" noEditPoints="1" noAdjustHandles="1" noChangeArrowheads="1" noChangeShapeType="1" noTextEdit="1"/>
+          </p:cNvSpPr>
+          <p:nvPr>
+            <p:extLst>
+              <p:ext uri="{386F3935-93C4-4BCD-93E2-E3B085C9AB24}">
+                <p16:designElem xmlns:p16="http://schemas.microsoft.com/office/powerpoint/2015/main" val="1"/>
+              </p:ext>
+            </p:extLst>
+          </p:nvPr>
+        </p:nvSpPr>
+        <p:spPr>
+          <a:xfrm>
+            <a:off x="0" y="0"/>
+            <a:ext cx="12192000" cy="6858000"/>
+          </a:xfrm>
+          <a:prstGeom prst="rect">
+            <a:avLst/>
+          </a:prstGeom>
+          <a:ln w="12700" cap="flat" cmpd="sng" algn="ctr">
+            <a:noFill/>
+            <a:prstDash val="solid"/>
+            <a:miter lim="800000"/>
+          </a:ln>
+          <a:effectLst/>
+          <a:extLst>
+            <a:ext uri="{91240B29-F687-4F45-9708-019B960494DF}">
+              <a14:hiddenLine xmlns:a14="http://schemas.microsoft.com/office/drawing/2010/main" w="12700" cap="flat" cmpd="sng" algn="ctr">
+                <a:solidFill>
+                  <a:schemeClr val="accent1">
+                    <a:shade val="50000"/>
+                  </a:schemeClr>
+                </a:solidFill>
+                <a:prstDash val="solid"/>
+                <a:miter lim="800000"/>
+              </a14:hiddenLine>
+            </a:ext>
+          </a:extLst>
+        </p:spPr>
+        <p:style>
+          <a:lnRef idx="2">
+            <a:schemeClr val="accent1">
+              <a:shade val="50000"/>
+            </a:schemeClr>
+          </a:lnRef>
+          <a:fillRef idx="1">
+            <a:schemeClr val="accent1"/>
+          </a:fillRef>
+          <a:effectRef idx="0">
+            <a:schemeClr val="accent1"/>
+          </a:effectRef>
+          <a:fontRef idx="minor">
+            <a:schemeClr val="lt1"/>
+          </a:fontRef>
+        </p:style>
+        <p:txBody>
+          <a:bodyPr rtlCol="0" anchor="ctr"/>
+          <a:lstStyle/>
+          <a:p>
+            <a:pPr algn="ctr"/>
+            <a:endParaRPr lang="en-US"/>
+          </a:p>
+        </p:txBody>
+      </p:sp>
+      <p:sp useBgFill="1">
+        <p:nvSpPr>
+          <p:cNvPr id="10" name="Rectangle 9">
+            <a:extLst>
+              <a:ext uri="{FF2B5EF4-FFF2-40B4-BE49-F238E27FC236}">
+                <a16:creationId xmlns:a16="http://schemas.microsoft.com/office/drawing/2014/main" id="{C4285719-470E-454C-AF62-8323075F1F5B}"/>
+              </a:ext>
+              <a:ext uri="{C183D7F6-B498-43B3-948B-1728B52AA6E4}">
+                <adec:decorative xmlns:adec="http://schemas.microsoft.com/office/drawing/2017/decorative" val="1"/>
+              </a:ext>
+            </a:extLst>
+          </p:cNvPr>
+          <p:cNvSpPr>
+            <a:spLocks noGrp="1" noRot="1" noChangeAspect="1" noMove="1" noResize="1" noEditPoints="1" noAdjustHandles="1" noChangeArrowheads="1" noChangeShapeType="1" noTextEdit="1"/>
+          </p:cNvSpPr>
+          <p:nvPr>
+            <p:extLst>
+              <p:ext uri="{386F3935-93C4-4BCD-93E2-E3B085C9AB24}">
+                <p16:designElem xmlns:p16="http://schemas.microsoft.com/office/powerpoint/2015/main" val="1"/>
+              </p:ext>
+            </p:extLst>
+          </p:nvPr>
+        </p:nvSpPr>
+        <p:spPr>
+          <a:xfrm>
+            <a:off x="0" y="0"/>
+            <a:ext cx="12188952" cy="6858000"/>
+          </a:xfrm>
+          <a:prstGeom prst="rect">
+            <a:avLst/>
+          </a:prstGeom>
+          <a:ln w="12700" cap="flat" cmpd="sng" algn="ctr">
+            <a:noFill/>
+            <a:prstDash val="solid"/>
+            <a:miter lim="800000"/>
+          </a:ln>
+          <a:effectLst/>
+          <a:extLst>
+            <a:ext uri="{91240B29-F687-4F45-9708-019B960494DF}">
+              <a14:hiddenLine xmlns:a14="http://schemas.microsoft.com/office/drawing/2010/main" w="12700" cap="flat" cmpd="sng" algn="ctr">
+                <a:solidFill>
+                  <a:schemeClr val="accent1">
+                    <a:shade val="50000"/>
+                  </a:schemeClr>
+                </a:solidFill>
+                <a:prstDash val="solid"/>
+                <a:miter lim="800000"/>
+              </a14:hiddenLine>
+            </a:ext>
+          </a:extLst>
+        </p:spPr>
+        <p:style>
+          <a:lnRef idx="2">
+            <a:schemeClr val="accent1">
+              <a:shade val="50000"/>
+            </a:schemeClr>
+          </a:lnRef>
+          <a:fillRef idx="1">
+            <a:schemeClr val="accent1"/>
+          </a:fillRef>
+          <a:effectRef idx="0">
+            <a:schemeClr val="accent1"/>
+          </a:effectRef>
+          <a:fontRef idx="minor">
+            <a:schemeClr val="lt1"/>
+          </a:fontRef>
+        </p:style>
+        <p:txBody>
+          <a:bodyPr rtlCol="0" anchor="ctr"/>
+          <a:lstStyle/>
+          <a:p>
+            <a:pPr algn="ctr"/>
+            <a:endParaRPr lang="en-US"/>
+          </a:p>
+        </p:txBody>
+      </p:sp>
+      <p:sp>
+        <p:nvSpPr>
+          <p:cNvPr id="12" name="Rectangle 11">
+            <a:extLst>
+              <a:ext uri="{FF2B5EF4-FFF2-40B4-BE49-F238E27FC236}">
+                <a16:creationId xmlns:a16="http://schemas.microsoft.com/office/drawing/2014/main" id="{CD9FE4EF-C4D8-49A0-B2FF-81D8DB7D8A24}"/>
+              </a:ext>
+              <a:ext uri="{C183D7F6-B498-43B3-948B-1728B52AA6E4}">
+                <adec:decorative xmlns:adec="http://schemas.microsoft.com/office/drawing/2017/decorative" val="1"/>
+              </a:ext>
+            </a:extLst>
+          </p:cNvPr>
+          <p:cNvSpPr>
+            <a:spLocks noGrp="1" noRot="1" noChangeAspect="1" noMove="1" noResize="1" noEditPoints="1" noAdjustHandles="1" noChangeArrowheads="1" noChangeShapeType="1" noTextEdit="1"/>
+          </p:cNvSpPr>
+          <p:nvPr>
+            <p:extLst>
+              <p:ext uri="{386F3935-93C4-4BCD-93E2-E3B085C9AB24}">
+                <p16:designElem xmlns:p16="http://schemas.microsoft.com/office/powerpoint/2015/main" val="1"/>
+              </p:ext>
+            </p:extLst>
+          </p:nvPr>
+        </p:nvSpPr>
+        <p:spPr>
+          <a:xfrm rot="5400000" flipH="1">
+            <a:off x="-1410084" y="1410082"/>
+            <a:ext cx="6858000" cy="4037836"/>
+          </a:xfrm>
+          <a:prstGeom prst="rect">
+            <a:avLst/>
+          </a:prstGeom>
+          <a:gradFill>
+            <a:gsLst>
+              <a:gs pos="8000">
+                <a:srgbClr val="000000"/>
+              </a:gs>
+              <a:gs pos="100000">
+                <a:schemeClr val="accent1">
+                  <a:lumMod val="75000"/>
+                </a:schemeClr>
+              </a:gs>
+            </a:gsLst>
+            <a:lin ang="3000000" scaled="0"/>
+          </a:gradFill>
+          <a:ln>
+            <a:noFill/>
+          </a:ln>
+        </p:spPr>
+        <p:style>
+          <a:lnRef idx="2">
+            <a:schemeClr val="accent1">
+              <a:shade val="50000"/>
+            </a:schemeClr>
+          </a:lnRef>
+          <a:fillRef idx="1">
+            <a:schemeClr val="accent1"/>
+          </a:fillRef>
+          <a:effectRef idx="0">
+            <a:schemeClr val="accent1"/>
+          </a:effectRef>
+          <a:fontRef idx="minor">
+            <a:schemeClr val="lt1"/>
+          </a:fontRef>
+        </p:style>
+        <p:txBody>
+          <a:bodyPr rtlCol="0" anchor="ctr"/>
+          <a:lstStyle/>
+          <a:p>
+            <a:pPr algn="ctr"/>
+            <a:endParaRPr lang="en-US"/>
+          </a:p>
+        </p:txBody>
+      </p:sp>
+      <p:sp>
+        <p:nvSpPr>
+          <p:cNvPr id="14" name="Rectangle 13">
+            <a:extLst>
+              <a:ext uri="{FF2B5EF4-FFF2-40B4-BE49-F238E27FC236}">
+                <a16:creationId xmlns:a16="http://schemas.microsoft.com/office/drawing/2014/main" id="{4300840D-0A0B-4512-BACA-B439D5B9C57C}"/>
+              </a:ext>
+              <a:ext uri="{C183D7F6-B498-43B3-948B-1728B52AA6E4}">
+                <adec:decorative xmlns:adec="http://schemas.microsoft.com/office/drawing/2017/decorative" val="1"/>
+              </a:ext>
+            </a:extLst>
+          </p:cNvPr>
+          <p:cNvSpPr>
+            <a:spLocks noGrp="1" noRot="1" noChangeAspect="1" noMove="1" noResize="1" noEditPoints="1" noAdjustHandles="1" noChangeArrowheads="1" noChangeShapeType="1" noTextEdit="1"/>
+          </p:cNvSpPr>
+          <p:nvPr>
+            <p:extLst>
+              <p:ext uri="{386F3935-93C4-4BCD-93E2-E3B085C9AB24}">
+                <p16:designElem xmlns:p16="http://schemas.microsoft.com/office/powerpoint/2015/main" val="1"/>
+              </p:ext>
+            </p:extLst>
+          </p:nvPr>
+        </p:nvSpPr>
+        <p:spPr>
+          <a:xfrm rot="5400000" flipH="1">
+            <a:off x="-1410085" y="1420219"/>
+            <a:ext cx="6857999" cy="4037839"/>
+          </a:xfrm>
+          <a:prstGeom prst="rect">
+            <a:avLst/>
+          </a:prstGeom>
+          <a:gradFill>
+            <a:gsLst>
+              <a:gs pos="0">
+                <a:srgbClr val="000000">
+                  <a:alpha val="0"/>
+                </a:srgbClr>
+              </a:gs>
+              <a:gs pos="99000">
+                <a:schemeClr val="accent1">
+                  <a:alpha val="46000"/>
+                </a:schemeClr>
+              </a:gs>
+            </a:gsLst>
+            <a:lin ang="1800000" scaled="0"/>
+          </a:gradFill>
+          <a:ln>
+            <a:noFill/>
+          </a:ln>
+        </p:spPr>
+        <p:style>
+          <a:lnRef idx="2">
+            <a:schemeClr val="accent1">
+              <a:shade val="50000"/>
+            </a:schemeClr>
+          </a:lnRef>
+          <a:fillRef idx="1">
+            <a:schemeClr val="accent1"/>
+          </a:fillRef>
+          <a:effectRef idx="0">
+            <a:schemeClr val="accent1"/>
+          </a:effectRef>
+          <a:fontRef idx="minor">
+            <a:schemeClr val="lt1"/>
+          </a:fontRef>
+        </p:style>
+        <p:txBody>
+          <a:bodyPr rtlCol="0" anchor="ctr"/>
+          <a:lstStyle/>
+          <a:p>
+            <a:pPr algn="ctr"/>
+            <a:endParaRPr lang="en-US"/>
+          </a:p>
+        </p:txBody>
+      </p:sp>
+      <p:sp>
+        <p:nvSpPr>
+          <p:cNvPr id="16" name="Rectangle 15">
+            <a:extLst>
+              <a:ext uri="{FF2B5EF4-FFF2-40B4-BE49-F238E27FC236}">
+                <a16:creationId xmlns:a16="http://schemas.microsoft.com/office/drawing/2014/main" id="{D2B78728-A580-49A7-84F9-6EF6F583ADE0}"/>
+              </a:ext>
+              <a:ext uri="{C183D7F6-B498-43B3-948B-1728B52AA6E4}">
+                <adec:decorative xmlns:adec="http://schemas.microsoft.com/office/drawing/2017/decorative" val="1"/>
+              </a:ext>
+            </a:extLst>
+          </p:cNvPr>
+          <p:cNvSpPr>
+            <a:spLocks noGrp="1" noRot="1" noChangeAspect="1" noMove="1" noResize="1" noEditPoints="1" noAdjustHandles="1" noChangeArrowheads="1" noChangeShapeType="1" noTextEdit="1"/>
+          </p:cNvSpPr>
+          <p:nvPr>
+            <p:extLst>
+              <p:ext uri="{386F3935-93C4-4BCD-93E2-E3B085C9AB24}">
+                <p16:designElem xmlns:p16="http://schemas.microsoft.com/office/powerpoint/2015/main" val="1"/>
+              </p:ext>
+            </p:extLst>
+          </p:nvPr>
+        </p:nvSpPr>
+        <p:spPr>
+          <a:xfrm rot="5400000" flipH="1">
+            <a:off x="767923" y="3588085"/>
+            <a:ext cx="2501979" cy="4037841"/>
+          </a:xfrm>
+          <a:prstGeom prst="rect">
+            <a:avLst/>
+          </a:prstGeom>
+          <a:gradFill>
+            <a:gsLst>
+              <a:gs pos="2000">
+                <a:schemeClr val="accent1">
+                  <a:alpha val="29000"/>
+                </a:schemeClr>
+              </a:gs>
+              <a:gs pos="100000">
+                <a:srgbClr val="000000">
+                  <a:alpha val="30000"/>
+                </a:srgbClr>
+              </a:gs>
+            </a:gsLst>
+            <a:lin ang="7800000" scaled="0"/>
+          </a:gradFill>
+          <a:ln>
+            <a:noFill/>
+          </a:ln>
+        </p:spPr>
+        <p:style>
+          <a:lnRef idx="2">
+            <a:schemeClr val="accent1">
+              <a:shade val="50000"/>
+            </a:schemeClr>
+          </a:lnRef>
+          <a:fillRef idx="1">
+            <a:schemeClr val="accent1"/>
+          </a:fillRef>
+          <a:effectRef idx="0">
+            <a:schemeClr val="accent1"/>
+          </a:effectRef>
+          <a:fontRef idx="minor">
+            <a:schemeClr val="lt1"/>
+          </a:fontRef>
+        </p:style>
+        <p:txBody>
+          <a:bodyPr rtlCol="0" anchor="ctr"/>
+          <a:lstStyle/>
+          <a:p>
+            <a:pPr algn="ctr"/>
+            <a:endParaRPr lang="en-US" dirty="0"/>
+          </a:p>
+        </p:txBody>
+      </p:sp>
+      <p:sp>
+        <p:nvSpPr>
+          <p:cNvPr id="18" name="Freeform: Shape 17">
+            <a:extLst>
+              <a:ext uri="{FF2B5EF4-FFF2-40B4-BE49-F238E27FC236}">
+                <a16:creationId xmlns:a16="http://schemas.microsoft.com/office/drawing/2014/main" id="{38FAA1A1-D861-433F-88FA-1E9D6FD31D11}"/>
+              </a:ext>
+              <a:ext uri="{C183D7F6-B498-43B3-948B-1728B52AA6E4}">
+                <adec:decorative xmlns:adec="http://schemas.microsoft.com/office/drawing/2017/decorative" val="1"/>
+              </a:ext>
+            </a:extLst>
+          </p:cNvPr>
+          <p:cNvSpPr>
+            <a:spLocks noGrp="1" noRot="1" noChangeAspect="1" noMove="1" noResize="1" noEditPoints="1" noAdjustHandles="1" noChangeArrowheads="1" noChangeShapeType="1" noTextEdit="1"/>
+          </p:cNvSpPr>
+          <p:nvPr>
+            <p:extLst>
+              <p:ext uri="{386F3935-93C4-4BCD-93E2-E3B085C9AB24}">
+                <p16:designElem xmlns:p16="http://schemas.microsoft.com/office/powerpoint/2015/main" val="1"/>
+              </p:ext>
+            </p:extLst>
+          </p:nvPr>
+        </p:nvSpPr>
+        <p:spPr>
+          <a:xfrm rot="20635413">
+            <a:off x="-501737" y="969718"/>
+            <a:ext cx="3900357" cy="4178958"/>
+          </a:xfrm>
+          <a:custGeom>
+            <a:avLst/>
+            <a:gdLst>
+              <a:gd name="connsiteX0" fmla="*/ 2432225 w 3900357"/>
+              <a:gd name="connsiteY0" fmla="*/ 93939 h 4178958"/>
+              <a:gd name="connsiteX1" fmla="*/ 3900357 w 3900357"/>
+              <a:gd name="connsiteY1" fmla="*/ 2089479 h 4178958"/>
+              <a:gd name="connsiteX2" fmla="*/ 1810878 w 3900357"/>
+              <a:gd name="connsiteY2" fmla="*/ 4178958 h 4178958"/>
+              <a:gd name="connsiteX3" fmla="*/ 78249 w 3900357"/>
+              <a:gd name="connsiteY3" fmla="*/ 3257727 h 4178958"/>
+              <a:gd name="connsiteX4" fmla="*/ 0 w 3900357"/>
+              <a:gd name="connsiteY4" fmla="*/ 3128923 h 4178958"/>
+              <a:gd name="connsiteX5" fmla="*/ 831324 w 3900357"/>
+              <a:gd name="connsiteY5" fmla="*/ 244281 h 4178958"/>
+              <a:gd name="connsiteX6" fmla="*/ 997559 w 3900357"/>
+              <a:gd name="connsiteY6" fmla="*/ 164202 h 4178958"/>
+              <a:gd name="connsiteX7" fmla="*/ 1810878 w 3900357"/>
+              <a:gd name="connsiteY7" fmla="*/ 0 h 4178958"/>
+              <a:gd name="connsiteX8" fmla="*/ 2432225 w 3900357"/>
+              <a:gd name="connsiteY8" fmla="*/ 93939 h 4178958"/>
+            </a:gdLst>
+            <a:ahLst/>
+            <a:cxnLst>
+              <a:cxn ang="0">
+                <a:pos x="connsiteX0" y="connsiteY0"/>
+              </a:cxn>
+              <a:cxn ang="0">
+                <a:pos x="connsiteX1" y="connsiteY1"/>
+              </a:cxn>
+              <a:cxn ang="0">
+                <a:pos x="connsiteX2" y="connsiteY2"/>
+              </a:cxn>
+              <a:cxn ang="0">
+                <a:pos x="connsiteX3" y="connsiteY3"/>
+              </a:cxn>
+              <a:cxn ang="0">
+                <a:pos x="connsiteX4" y="connsiteY4"/>
+              </a:cxn>
+              <a:cxn ang="0">
+                <a:pos x="connsiteX5" y="connsiteY5"/>
+              </a:cxn>
+              <a:cxn ang="0">
+                <a:pos x="connsiteX6" y="connsiteY6"/>
+              </a:cxn>
+              <a:cxn ang="0">
+                <a:pos x="connsiteX7" y="connsiteY7"/>
+              </a:cxn>
+              <a:cxn ang="0">
+                <a:pos x="connsiteX8" y="connsiteY8"/>
+              </a:cxn>
+            </a:cxnLst>
+            <a:rect l="l" t="t" r="r" b="b"/>
+            <a:pathLst>
+              <a:path w="3900357" h="4178958">
+                <a:moveTo>
+                  <a:pt x="2432225" y="93939"/>
+                </a:moveTo>
+                <a:cubicBezTo>
+                  <a:pt x="3282786" y="358491"/>
+                  <a:pt x="3900357" y="1151865"/>
+                  <a:pt x="3900357" y="2089479"/>
+                </a:cubicBezTo>
+                <a:cubicBezTo>
+                  <a:pt x="3900357" y="3243466"/>
+                  <a:pt x="2964865" y="4178958"/>
+                  <a:pt x="1810878" y="4178958"/>
+                </a:cubicBezTo>
+                <a:cubicBezTo>
+                  <a:pt x="1089636" y="4178958"/>
+                  <a:pt x="453744" y="3813531"/>
+                  <a:pt x="78249" y="3257727"/>
+                </a:cubicBezTo>
+                <a:lnTo>
+                  <a:pt x="0" y="3128923"/>
+                </a:lnTo>
+                <a:lnTo>
+                  <a:pt x="831324" y="244281"/>
+                </a:lnTo>
+                <a:lnTo>
+                  <a:pt x="997559" y="164202"/>
+                </a:lnTo>
+                <a:cubicBezTo>
+                  <a:pt x="1247540" y="58468"/>
+                  <a:pt x="1522381" y="0"/>
+                  <a:pt x="1810878" y="0"/>
+                </a:cubicBezTo>
+                <a:cubicBezTo>
+                  <a:pt x="2027251" y="0"/>
+                  <a:pt x="2235942" y="32888"/>
+                  <a:pt x="2432225" y="93939"/>
+                </a:cubicBezTo>
+                <a:close/>
+              </a:path>
+            </a:pathLst>
+          </a:custGeom>
+          <a:gradFill>
+            <a:gsLst>
+              <a:gs pos="29000">
+                <a:srgbClr val="000000">
+                  <a:alpha val="0"/>
+                </a:srgbClr>
+              </a:gs>
+              <a:gs pos="100000">
+                <a:schemeClr val="accent1">
+                  <a:alpha val="43000"/>
+                </a:schemeClr>
+              </a:gs>
+            </a:gsLst>
+            <a:lin ang="1800000" scaled="0"/>
+          </a:gradFill>
+          <a:ln>
+            <a:noFill/>
+          </a:ln>
+        </p:spPr>
+        <p:style>
+          <a:lnRef idx="2">
+            <a:schemeClr val="accent1">
+              <a:shade val="50000"/>
+            </a:schemeClr>
+          </a:lnRef>
+          <a:fillRef idx="1">
+            <a:schemeClr val="accent1"/>
+          </a:fillRef>
+          <a:effectRef idx="0">
+            <a:schemeClr val="accent1"/>
+          </a:effectRef>
+          <a:fontRef idx="minor">
+            <a:schemeClr val="lt1"/>
+          </a:fontRef>
+        </p:style>
+        <p:txBody>
+          <a:bodyPr wrap="square" rtlCol="0" anchor="ctr">
+            <a:noAutofit/>
+          </a:bodyPr>
+          <a:lstStyle/>
+          <a:p>
+            <a:pPr algn="ctr"/>
+            <a:endParaRPr lang="en-US" dirty="0"/>
+          </a:p>
+        </p:txBody>
+      </p:sp>
+      <p:sp>
+        <p:nvSpPr>
+          <p:cNvPr id="20" name="Rectangle 19">
+            <a:extLst>
+              <a:ext uri="{FF2B5EF4-FFF2-40B4-BE49-F238E27FC236}">
+                <a16:creationId xmlns:a16="http://schemas.microsoft.com/office/drawing/2014/main" id="{8D71EDA1-87BF-4D5D-AB79-F346FD19278A}"/>
+              </a:ext>
+              <a:ext uri="{C183D7F6-B498-43B3-948B-1728B52AA6E4}">
+                <adec:decorative xmlns:adec="http://schemas.microsoft.com/office/drawing/2017/decorative" val="1"/>
+              </a:ext>
+            </a:extLst>
+          </p:cNvPr>
+          <p:cNvSpPr>
+            <a:spLocks noGrp="1" noRot="1" noChangeAspect="1" noMove="1" noResize="1" noEditPoints="1" noAdjustHandles="1" noChangeArrowheads="1" noChangeShapeType="1" noTextEdit="1"/>
+          </p:cNvSpPr>
+          <p:nvPr>
+            <p:extLst>
+              <p:ext uri="{386F3935-93C4-4BCD-93E2-E3B085C9AB24}">
+                <p16:designElem xmlns:p16="http://schemas.microsoft.com/office/powerpoint/2015/main" val="1"/>
+              </p:ext>
+            </p:extLst>
+          </p:nvPr>
+        </p:nvSpPr>
+        <p:spPr>
+          <a:xfrm rot="5400000" flipH="1">
+            <a:off x="-1410093" y="1399943"/>
+            <a:ext cx="6858003" cy="4037835"/>
+          </a:xfrm>
+          <a:prstGeom prst="rect">
+            <a:avLst/>
+          </a:prstGeom>
+          <a:gradFill>
+            <a:gsLst>
+              <a:gs pos="0">
+                <a:srgbClr val="000000">
+                  <a:alpha val="0"/>
+                </a:srgbClr>
+              </a:gs>
+              <a:gs pos="99000">
+                <a:schemeClr val="accent1">
+                  <a:lumMod val="60000"/>
+                  <a:lumOff val="40000"/>
+                  <a:alpha val="11000"/>
+                </a:schemeClr>
+              </a:gs>
+            </a:gsLst>
+            <a:lin ang="7200000" scaled="0"/>
+          </a:gradFill>
+          <a:ln>
+            <a:noFill/>
+          </a:ln>
+        </p:spPr>
+        <p:style>
+          <a:lnRef idx="2">
+            <a:schemeClr val="accent1">
+              <a:shade val="50000"/>
+            </a:schemeClr>
+          </a:lnRef>
+          <a:fillRef idx="1">
+            <a:schemeClr val="accent1"/>
+          </a:fillRef>
+          <a:effectRef idx="0">
+            <a:schemeClr val="accent1"/>
+          </a:effectRef>
+          <a:fontRef idx="minor">
+            <a:schemeClr val="lt1"/>
+          </a:fontRef>
+        </p:style>
+        <p:txBody>
+          <a:bodyPr rtlCol="0" anchor="ctr"/>
+          <a:lstStyle/>
+          <a:p>
+            <a:pPr algn="ctr"/>
+            <a:endParaRPr lang="en-US"/>
+          </a:p>
+        </p:txBody>
+      </p:sp>
+      <p:sp>
+        <p:nvSpPr>
+          <p:cNvPr id="2" name="Title 1">
+            <a:extLst>
+              <a:ext uri="{FF2B5EF4-FFF2-40B4-BE49-F238E27FC236}">
+                <a16:creationId xmlns:a16="http://schemas.microsoft.com/office/drawing/2014/main" id="{6C0937FD-3195-4E6E-AA7F-8D790A0A8ABA}"/>
+              </a:ext>
+            </a:extLst>
+          </p:cNvPr>
+          <p:cNvSpPr>
+            <a:spLocks noGrp="1"/>
+          </p:cNvSpPr>
+          <p:nvPr>
+            <p:ph type="title"/>
+          </p:nvPr>
+        </p:nvSpPr>
+        <p:spPr>
+          <a:xfrm>
+            <a:off x="466722" y="586855"/>
+            <a:ext cx="3201366" cy="3387497"/>
+          </a:xfrm>
+        </p:spPr>
+        <p:txBody>
+          <a:bodyPr anchor="b">
+            <a:normAutofit/>
+          </a:bodyPr>
+          <a:lstStyle/>
+          <a:p>
+            <a:pPr algn="r"/>
+            <a:r>
+              <a:rPr lang="it-IT" sz="3200" dirty="0">
+                <a:solidFill>
+                  <a:srgbClr val="FFFFFF"/>
+                </a:solidFill>
+              </a:rPr>
+              <a:t>API 2:</a:t>
+            </a:r>
+            <a:br>
+              <a:rPr lang="it-IT" sz="3200" dirty="0">
+                <a:solidFill>
+                  <a:srgbClr val="FFFFFF"/>
+                </a:solidFill>
+              </a:rPr>
+            </a:br>
+            <a:r>
+              <a:rPr lang="it-IT" sz="3200" dirty="0">
+                <a:solidFill>
+                  <a:srgbClr val="FFFFFF"/>
+                </a:solidFill>
+              </a:rPr>
+              <a:t>JSON di risposta</a:t>
+            </a:r>
+          </a:p>
+        </p:txBody>
+      </p:sp>
+      <p:sp>
+        <p:nvSpPr>
+          <p:cNvPr id="6" name="CasellaDiTesto 5">
+            <a:extLst>
+              <a:ext uri="{FF2B5EF4-FFF2-40B4-BE49-F238E27FC236}">
+                <a16:creationId xmlns:a16="http://schemas.microsoft.com/office/drawing/2014/main" id="{5974ED67-372F-4DF8-A9E4-D56CD8475EB7}"/>
+              </a:ext>
+            </a:extLst>
+          </p:cNvPr>
+          <p:cNvSpPr txBox="1"/>
+          <p:nvPr/>
+        </p:nvSpPr>
+        <p:spPr>
+          <a:xfrm>
+            <a:off x="4037826" y="1297213"/>
+            <a:ext cx="1958485" cy="369332"/>
+          </a:xfrm>
+          <a:prstGeom prst="rect">
+            <a:avLst/>
+          </a:prstGeom>
+          <a:noFill/>
+        </p:spPr>
+        <p:txBody>
+          <a:bodyPr wrap="none" rtlCol="0">
+            <a:spAutoFit/>
+          </a:bodyPr>
+          <a:lstStyle/>
+          <a:p>
+            <a:r>
+              <a:rPr lang="it-IT" dirty="0"/>
+              <a:t>Oggetto di risposta</a:t>
+            </a:r>
+            <a:endParaRPr lang="it-IT" b="1" dirty="0"/>
+          </a:p>
+        </p:txBody>
+      </p:sp>
+      <p:sp>
+        <p:nvSpPr>
+          <p:cNvPr id="17" name="CasellaDiTesto 16">
+            <a:extLst>
+              <a:ext uri="{FF2B5EF4-FFF2-40B4-BE49-F238E27FC236}">
+                <a16:creationId xmlns:a16="http://schemas.microsoft.com/office/drawing/2014/main" id="{3AF446EF-ABB5-49CE-91F2-B06EB720E7FF}"/>
+              </a:ext>
+            </a:extLst>
+          </p:cNvPr>
+          <p:cNvSpPr txBox="1"/>
+          <p:nvPr/>
+        </p:nvSpPr>
+        <p:spPr>
+          <a:xfrm>
+            <a:off x="4037826" y="3449280"/>
+            <a:ext cx="2465996" cy="646331"/>
+          </a:xfrm>
+          <a:prstGeom prst="rect">
+            <a:avLst/>
+          </a:prstGeom>
+          <a:noFill/>
+        </p:spPr>
+        <p:txBody>
+          <a:bodyPr wrap="none" rtlCol="0">
+            <a:spAutoFit/>
+          </a:bodyPr>
+          <a:lstStyle/>
+          <a:p>
+            <a:r>
+              <a:rPr lang="it-IT" dirty="0"/>
+              <a:t>Sezione .</a:t>
+            </a:r>
+            <a:r>
+              <a:rPr lang="it-IT" b="1" dirty="0"/>
+              <a:t>data </a:t>
+            </a:r>
+            <a:r>
+              <a:rPr lang="it-IT" dirty="0"/>
+              <a:t> e </a:t>
+            </a:r>
+            <a:r>
+              <a:rPr lang="it-IT" b="1" dirty="0"/>
+              <a:t>.data[i]</a:t>
+            </a:r>
+            <a:r>
+              <a:rPr lang="it-IT" dirty="0"/>
+              <a:t> </a:t>
+            </a:r>
+            <a:endParaRPr lang="it-IT" b="1" dirty="0"/>
+          </a:p>
+          <a:p>
+            <a:r>
+              <a:rPr lang="it-IT" b="1" dirty="0"/>
+              <a:t> </a:t>
+            </a:r>
+          </a:p>
+        </p:txBody>
+      </p:sp>
+      <p:pic>
+        <p:nvPicPr>
+          <p:cNvPr id="4" name="Immagine 3">
+            <a:extLst>
+              <a:ext uri="{FF2B5EF4-FFF2-40B4-BE49-F238E27FC236}">
+                <a16:creationId xmlns:a16="http://schemas.microsoft.com/office/drawing/2014/main" id="{7F615685-8516-43D1-A1F4-2CAF71377865}"/>
+              </a:ext>
+            </a:extLst>
+          </p:cNvPr>
+          <p:cNvPicPr>
+            <a:picLocks noChangeAspect="1"/>
+          </p:cNvPicPr>
+          <p:nvPr/>
+        </p:nvPicPr>
+        <p:blipFill>
+          <a:blip r:embed="rId2"/>
+          <a:stretch>
+            <a:fillRect/>
+          </a:stretch>
+        </p:blipFill>
+        <p:spPr>
+          <a:xfrm>
+            <a:off x="4134810" y="109082"/>
+            <a:ext cx="7493385" cy="1263715"/>
+          </a:xfrm>
+          <a:prstGeom prst="rect">
+            <a:avLst/>
+          </a:prstGeom>
+        </p:spPr>
+      </p:pic>
+      <p:pic>
+        <p:nvPicPr>
+          <p:cNvPr id="9" name="Immagine 8">
+            <a:extLst>
+              <a:ext uri="{FF2B5EF4-FFF2-40B4-BE49-F238E27FC236}">
+                <a16:creationId xmlns:a16="http://schemas.microsoft.com/office/drawing/2014/main" id="{705103DC-DA78-4ADD-BAB0-A551B8BF10B9}"/>
+              </a:ext>
+            </a:extLst>
+          </p:cNvPr>
+          <p:cNvPicPr>
+            <a:picLocks noChangeAspect="1"/>
+          </p:cNvPicPr>
+          <p:nvPr/>
+        </p:nvPicPr>
+        <p:blipFill>
+          <a:blip r:embed="rId3"/>
+          <a:stretch>
+            <a:fillRect/>
+          </a:stretch>
+        </p:blipFill>
+        <p:spPr>
+          <a:xfrm>
+            <a:off x="4134500" y="1612575"/>
+            <a:ext cx="7996568" cy="1816425"/>
+          </a:xfrm>
+          <a:prstGeom prst="rect">
+            <a:avLst/>
+          </a:prstGeom>
+        </p:spPr>
+      </p:pic>
+      <p:pic>
+        <p:nvPicPr>
+          <p:cNvPr id="15" name="Immagine 14">
+            <a:extLst>
+              <a:ext uri="{FF2B5EF4-FFF2-40B4-BE49-F238E27FC236}">
+                <a16:creationId xmlns:a16="http://schemas.microsoft.com/office/drawing/2014/main" id="{0561D9D4-6804-422F-8EE4-BBBB3C8106CD}"/>
+              </a:ext>
+            </a:extLst>
+          </p:cNvPr>
+          <p:cNvPicPr>
+            <a:picLocks noChangeAspect="1"/>
+          </p:cNvPicPr>
+          <p:nvPr/>
+        </p:nvPicPr>
+        <p:blipFill>
+          <a:blip r:embed="rId4"/>
+          <a:stretch>
+            <a:fillRect/>
+          </a:stretch>
+        </p:blipFill>
+        <p:spPr>
+          <a:xfrm>
+            <a:off x="4134500" y="3832545"/>
+            <a:ext cx="7996568" cy="1612414"/>
+          </a:xfrm>
+          <a:prstGeom prst="rect">
+            <a:avLst/>
+          </a:prstGeom>
+        </p:spPr>
+      </p:pic>
+      <p:sp>
+        <p:nvSpPr>
+          <p:cNvPr id="21" name="CasellaDiTesto 20">
+            <a:extLst>
+              <a:ext uri="{FF2B5EF4-FFF2-40B4-BE49-F238E27FC236}">
+                <a16:creationId xmlns:a16="http://schemas.microsoft.com/office/drawing/2014/main" id="{8570E724-ABF8-43CF-846C-26E44178675E}"/>
+              </a:ext>
+            </a:extLst>
+          </p:cNvPr>
+          <p:cNvSpPr txBox="1"/>
+          <p:nvPr/>
+        </p:nvSpPr>
+        <p:spPr>
+          <a:xfrm>
+            <a:off x="4076616" y="5444959"/>
+            <a:ext cx="7996568" cy="1477328"/>
+          </a:xfrm>
+          <a:prstGeom prst="rect">
+            <a:avLst/>
+          </a:prstGeom>
+          <a:noFill/>
+        </p:spPr>
+        <p:txBody>
+          <a:bodyPr wrap="square" rtlCol="0">
+            <a:spAutoFit/>
+          </a:bodyPr>
+          <a:lstStyle/>
+          <a:p>
+            <a:r>
+              <a:rPr lang="it-IT" dirty="0"/>
+              <a:t>Sezione </a:t>
+            </a:r>
+            <a:r>
+              <a:rPr lang="it-IT" b="1" dirty="0"/>
+              <a:t>.data[i].assets </a:t>
+            </a:r>
+            <a:r>
+              <a:rPr lang="it-IT" dirty="0"/>
+              <a:t>dove vi sono i vari campi con l’immagine in varie dimensioni. </a:t>
+            </a:r>
+          </a:p>
+          <a:p>
+            <a:r>
+              <a:rPr lang="it-IT" dirty="0"/>
+              <a:t>Per il mio sito ho utilizzato </a:t>
+            </a:r>
+            <a:r>
+              <a:rPr lang="it-IT" dirty="0" err="1"/>
+              <a:t>l’url</a:t>
+            </a:r>
+            <a:r>
+              <a:rPr lang="it-IT" dirty="0"/>
+              <a:t> in </a:t>
+            </a:r>
+            <a:r>
+              <a:rPr lang="it-IT" b="1" dirty="0"/>
+              <a:t>.assets.large_thum.url</a:t>
+            </a:r>
+          </a:p>
+          <a:p>
+            <a:r>
+              <a:rPr lang="it-IT" dirty="0"/>
+              <a:t>Secondo la documentazione: </a:t>
+            </a:r>
+          </a:p>
+          <a:p>
+            <a:r>
+              <a:rPr lang="it-IT" dirty="0"/>
+              <a:t>«</a:t>
+            </a:r>
+            <a:r>
+              <a:rPr lang="en-US" b="1" i="0" dirty="0" err="1">
+                <a:effectLst/>
+                <a:latin typeface="Roboto" panose="020B0604020202020204" pitchFamily="2" charset="0"/>
+              </a:rPr>
+              <a:t>large_thumb</a:t>
+            </a:r>
+            <a:r>
+              <a:rPr lang="en-US" b="0" i="0" dirty="0">
+                <a:effectLst/>
+                <a:latin typeface="Roboto" panose="020B0604020202020204" pitchFamily="2" charset="0"/>
+              </a:rPr>
+              <a:t>: </a:t>
+            </a:r>
+            <a:r>
+              <a:rPr lang="en-US" b="0" i="1" dirty="0">
+                <a:effectLst/>
+                <a:latin typeface="Roboto" panose="020B0604020202020204" pitchFamily="2" charset="0"/>
+              </a:rPr>
+              <a:t>Scaled until the larger dimension is 150px</a:t>
+            </a:r>
+            <a:r>
+              <a:rPr lang="it-IT" b="0" i="1" dirty="0">
+                <a:effectLst/>
+                <a:latin typeface="Roboto" panose="020B0604020202020204" pitchFamily="2" charset="0"/>
+              </a:rPr>
+              <a:t>»</a:t>
+            </a:r>
+            <a:endParaRPr lang="it-IT" i="1" dirty="0"/>
+          </a:p>
+          <a:p>
+            <a:r>
+              <a:rPr lang="it-IT" b="1" i="1" dirty="0"/>
+              <a:t> </a:t>
+            </a:r>
+          </a:p>
+        </p:txBody>
+      </p:sp>
+    </p:spTree>
+    <p:extLst>
+      <p:ext uri="{BB962C8B-B14F-4D97-AF65-F5344CB8AC3E}">
+        <p14:creationId xmlns:p14="http://schemas.microsoft.com/office/powerpoint/2010/main" val="2074898074"/>
       </p:ext>
     </p:extLst>
   </p:cSld>
